--- a/Oxford Pet breed Multi classification.pptx
+++ b/Oxford Pet breed Multi classification.pptx
@@ -30,30 +30,31 @@
     <p:sldId id="275" r:id="rId25"/>
     <p:sldId id="276" r:id="rId26"/>
     <p:sldId id="277" r:id="rId27"/>
+    <p:sldId id="278" r:id="rId28"/>
   </p:sldIdLst>
   <p:sldSz cy="5143500" cx="9144000"/>
   <p:notesSz cx="6858000" cy="9144000"/>
   <p:embeddedFontLst>
     <p:embeddedFont>
       <p:font typeface="Inter Tight Medium"/>
-      <p:regular r:id="rId28"/>
-      <p:bold r:id="rId29"/>
-      <p:italic r:id="rId30"/>
-      <p:boldItalic r:id="rId31"/>
+      <p:regular r:id="rId29"/>
+      <p:bold r:id="rId30"/>
+      <p:italic r:id="rId31"/>
+      <p:boldItalic r:id="rId32"/>
     </p:embeddedFont>
     <p:embeddedFont>
       <p:font typeface="Inter Tight"/>
-      <p:regular r:id="rId32"/>
-      <p:bold r:id="rId33"/>
-      <p:italic r:id="rId34"/>
-      <p:boldItalic r:id="rId35"/>
+      <p:regular r:id="rId33"/>
+      <p:bold r:id="rId34"/>
+      <p:italic r:id="rId35"/>
+      <p:boldItalic r:id="rId36"/>
     </p:embeddedFont>
     <p:embeddedFont>
       <p:font typeface="Inter Tight SemiBold"/>
-      <p:regular r:id="rId36"/>
-      <p:bold r:id="rId37"/>
-      <p:italic r:id="rId38"/>
-      <p:boldItalic r:id="rId39"/>
+      <p:regular r:id="rId37"/>
+      <p:bold r:id="rId38"/>
+      <p:italic r:id="rId39"/>
+      <p:boldItalic r:id="rId40"/>
     </p:embeddedFont>
   </p:embeddedFontLst>
   <p:defaultTextStyle>
@@ -834,7 +835,7 @@
   <p:cSld>
     <p:spTree>
       <p:nvGrpSpPr>
-        <p:cNvPr id="404" name="Shape 404"/>
+        <p:cNvPr id="398" name="Shape 398"/>
         <p:cNvGrpSpPr/>
         <p:nvPr/>
       </p:nvGrpSpPr>
@@ -848,7 +849,7 @@
       </p:grpSpPr>
       <p:sp>
         <p:nvSpPr>
-          <p:cNvPr id="405" name="Google Shape;405;g340b29aa38c_0_585:notes"/>
+          <p:cNvPr id="399" name="Google Shape;399;g340b29aa38c_0_585:notes"/>
           <p:cNvSpPr/>
           <p:nvPr>
             <p:ph idx="2" type="sldImg"/>
@@ -883,7 +884,7 @@
       </p:sp>
       <p:sp>
         <p:nvSpPr>
-          <p:cNvPr id="406" name="Google Shape;406;g340b29aa38c_0_585:notes"/>
+          <p:cNvPr id="400" name="Google Shape;400;g340b29aa38c_0_585:notes"/>
           <p:cNvSpPr txBox="1"/>
           <p:nvPr>
             <p:ph idx="1" type="body"/>
@@ -933,7 +934,7 @@
   <p:cSld>
     <p:spTree>
       <p:nvGrpSpPr>
-        <p:cNvPr id="412" name="Shape 412"/>
+        <p:cNvPr id="404" name="Shape 404"/>
         <p:cNvGrpSpPr/>
         <p:nvPr/>
       </p:nvGrpSpPr>
@@ -947,7 +948,7 @@
       </p:grpSpPr>
       <p:sp>
         <p:nvSpPr>
-          <p:cNvPr id="413" name="Google Shape;413;g340edc0c168_0_42:notes"/>
+          <p:cNvPr id="405" name="Google Shape;405;g340edc0c168_0_42:notes"/>
           <p:cNvSpPr/>
           <p:nvPr>
             <p:ph idx="2" type="sldImg"/>
@@ -982,7 +983,7 @@
       </p:sp>
       <p:sp>
         <p:nvSpPr>
-          <p:cNvPr id="414" name="Google Shape;414;g340edc0c168_0_42:notes"/>
+          <p:cNvPr id="406" name="Google Shape;406;g340edc0c168_0_42:notes"/>
           <p:cNvSpPr txBox="1"/>
           <p:nvPr>
             <p:ph idx="1" type="body"/>
@@ -1032,7 +1033,7 @@
   <p:cSld>
     <p:spTree>
       <p:nvGrpSpPr>
-        <p:cNvPr id="420" name="Shape 420"/>
+        <p:cNvPr id="412" name="Shape 412"/>
         <p:cNvGrpSpPr/>
         <p:nvPr/>
       </p:nvGrpSpPr>
@@ -1046,7 +1047,7 @@
       </p:grpSpPr>
       <p:sp>
         <p:nvSpPr>
-          <p:cNvPr id="421" name="Google Shape;421;g340edc0c168_0_34:notes"/>
+          <p:cNvPr id="413" name="Google Shape;413;g340edc0c168_0_34:notes"/>
           <p:cNvSpPr/>
           <p:nvPr>
             <p:ph idx="2" type="sldImg"/>
@@ -1081,7 +1082,7 @@
       </p:sp>
       <p:sp>
         <p:nvSpPr>
-          <p:cNvPr id="422" name="Google Shape;422;g340edc0c168_0_34:notes"/>
+          <p:cNvPr id="414" name="Google Shape;414;g340edc0c168_0_34:notes"/>
           <p:cNvSpPr txBox="1"/>
           <p:nvPr>
             <p:ph idx="1" type="body"/>
@@ -1131,7 +1132,7 @@
   <p:cSld>
     <p:spTree>
       <p:nvGrpSpPr>
-        <p:cNvPr id="429" name="Shape 429"/>
+        <p:cNvPr id="419" name="Shape 419"/>
         <p:cNvGrpSpPr/>
         <p:nvPr/>
       </p:nvGrpSpPr>
@@ -1145,7 +1146,7 @@
       </p:grpSpPr>
       <p:sp>
         <p:nvSpPr>
-          <p:cNvPr id="430" name="Google Shape;430;g340edc0c168_0_64:notes"/>
+          <p:cNvPr id="420" name="Google Shape;420;g340edc0c168_0_64:notes"/>
           <p:cNvSpPr/>
           <p:nvPr>
             <p:ph idx="2" type="sldImg"/>
@@ -1180,7 +1181,7 @@
       </p:sp>
       <p:sp>
         <p:nvSpPr>
-          <p:cNvPr id="431" name="Google Shape;431;g340edc0c168_0_64:notes"/>
+          <p:cNvPr id="421" name="Google Shape;421;g340edc0c168_0_64:notes"/>
           <p:cNvSpPr txBox="1"/>
           <p:nvPr>
             <p:ph idx="1" type="body"/>
@@ -1230,7 +1231,7 @@
   <p:cSld>
     <p:spTree>
       <p:nvGrpSpPr>
-        <p:cNvPr id="440" name="Shape 440"/>
+        <p:cNvPr id="428" name="Shape 428"/>
         <p:cNvGrpSpPr/>
         <p:nvPr/>
       </p:nvGrpSpPr>
@@ -1244,7 +1245,7 @@
       </p:grpSpPr>
       <p:sp>
         <p:nvSpPr>
-          <p:cNvPr id="441" name="Google Shape;441;g340edc0c168_0_55:notes"/>
+          <p:cNvPr id="429" name="Google Shape;429;g340edc0c168_0_55:notes"/>
           <p:cNvSpPr/>
           <p:nvPr>
             <p:ph idx="2" type="sldImg"/>
@@ -1279,7 +1280,7 @@
       </p:sp>
       <p:sp>
         <p:nvSpPr>
-          <p:cNvPr id="442" name="Google Shape;442;g340edc0c168_0_55:notes"/>
+          <p:cNvPr id="430" name="Google Shape;430;g340edc0c168_0_55:notes"/>
           <p:cNvSpPr txBox="1"/>
           <p:nvPr>
             <p:ph idx="1" type="body"/>
@@ -1329,7 +1330,7 @@
   <p:cSld>
     <p:spTree>
       <p:nvGrpSpPr>
-        <p:cNvPr id="449" name="Shape 449"/>
+        <p:cNvPr id="436" name="Shape 436"/>
         <p:cNvGrpSpPr/>
         <p:nvPr/>
       </p:nvGrpSpPr>
@@ -1343,7 +1344,7 @@
       </p:grpSpPr>
       <p:sp>
         <p:nvSpPr>
-          <p:cNvPr id="450" name="Google Shape;450;g340cff001b7_0_25:notes"/>
+          <p:cNvPr id="437" name="Google Shape;437;g340cff001b7_0_25:notes"/>
           <p:cNvSpPr/>
           <p:nvPr>
             <p:ph idx="2" type="sldImg"/>
@@ -1378,7 +1379,7 @@
       </p:sp>
       <p:sp>
         <p:nvSpPr>
-          <p:cNvPr id="451" name="Google Shape;451;g340cff001b7_0_25:notes"/>
+          <p:cNvPr id="438" name="Google Shape;438;g340cff001b7_0_25:notes"/>
           <p:cNvSpPr txBox="1"/>
           <p:nvPr>
             <p:ph idx="1" type="body"/>
@@ -1428,7 +1429,7 @@
   <p:cSld>
     <p:spTree>
       <p:nvGrpSpPr>
-        <p:cNvPr id="456" name="Shape 456"/>
+        <p:cNvPr id="443" name="Shape 443"/>
         <p:cNvGrpSpPr/>
         <p:nvPr/>
       </p:nvGrpSpPr>
@@ -1442,7 +1443,7 @@
       </p:grpSpPr>
       <p:sp>
         <p:nvSpPr>
-          <p:cNvPr id="457" name="Google Shape;457;g3412a38f3df_0_14:notes"/>
+          <p:cNvPr id="444" name="Google Shape;444;g3412a38f3df_0_14:notes"/>
           <p:cNvSpPr/>
           <p:nvPr>
             <p:ph idx="2" type="sldImg"/>
@@ -1477,7 +1478,7 @@
       </p:sp>
       <p:sp>
         <p:nvSpPr>
-          <p:cNvPr id="458" name="Google Shape;458;g3412a38f3df_0_14:notes"/>
+          <p:cNvPr id="445" name="Google Shape;445;g3412a38f3df_0_14:notes"/>
           <p:cNvSpPr txBox="1"/>
           <p:nvPr>
             <p:ph idx="1" type="body"/>
@@ -1527,7 +1528,7 @@
   <p:cSld>
     <p:spTree>
       <p:nvGrpSpPr>
-        <p:cNvPr id="463" name="Shape 463"/>
+        <p:cNvPr id="450" name="Shape 450"/>
         <p:cNvGrpSpPr/>
         <p:nvPr/>
       </p:nvGrpSpPr>
@@ -1541,7 +1542,7 @@
       </p:grpSpPr>
       <p:sp>
         <p:nvSpPr>
-          <p:cNvPr id="464" name="Google Shape;464;g340b29aa38c_0_144:notes"/>
+          <p:cNvPr id="451" name="Google Shape;451;g342bc909463_0_15:notes"/>
           <p:cNvSpPr/>
           <p:nvPr>
             <p:ph idx="2" type="sldImg"/>
@@ -1576,7 +1577,7 @@
       </p:sp>
       <p:sp>
         <p:nvSpPr>
-          <p:cNvPr id="465" name="Google Shape;465;g340b29aa38c_0_144:notes"/>
+          <p:cNvPr id="452" name="Google Shape;452;g342bc909463_0_15:notes"/>
           <p:cNvSpPr txBox="1"/>
           <p:nvPr>
             <p:ph idx="1" type="body"/>
@@ -1626,7 +1627,7 @@
   <p:cSld>
     <p:spTree>
       <p:nvGrpSpPr>
-        <p:cNvPr id="472" name="Shape 472"/>
+        <p:cNvPr id="458" name="Shape 458"/>
         <p:cNvGrpSpPr/>
         <p:nvPr/>
       </p:nvGrpSpPr>
@@ -1640,7 +1641,7 @@
       </p:grpSpPr>
       <p:sp>
         <p:nvSpPr>
-          <p:cNvPr id="473" name="Google Shape;473;g340edc0c168_0_81:notes"/>
+          <p:cNvPr id="459" name="Google Shape;459;g340b29aa38c_0_144:notes"/>
           <p:cNvSpPr/>
           <p:nvPr>
             <p:ph idx="2" type="sldImg"/>
@@ -1675,7 +1676,7 @@
       </p:sp>
       <p:sp>
         <p:nvSpPr>
-          <p:cNvPr id="474" name="Google Shape;474;g340edc0c168_0_81:notes"/>
+          <p:cNvPr id="460" name="Google Shape;460;g340b29aa38c_0_144:notes"/>
           <p:cNvSpPr txBox="1"/>
           <p:nvPr>
             <p:ph idx="1" type="body"/>
@@ -1725,7 +1726,7 @@
   <p:cSld>
     <p:spTree>
       <p:nvGrpSpPr>
-        <p:cNvPr id="482" name="Shape 482"/>
+        <p:cNvPr id="465" name="Shape 465"/>
         <p:cNvGrpSpPr/>
         <p:nvPr/>
       </p:nvGrpSpPr>
@@ -1739,7 +1740,7 @@
       </p:grpSpPr>
       <p:sp>
         <p:nvSpPr>
-          <p:cNvPr id="483" name="Google Shape;483;g340edc0c168_0_0:notes"/>
+          <p:cNvPr id="466" name="Google Shape;466;g340edc0c168_0_81:notes"/>
           <p:cNvSpPr/>
           <p:nvPr>
             <p:ph idx="2" type="sldImg"/>
@@ -1774,7 +1775,7 @@
       </p:sp>
       <p:sp>
         <p:nvSpPr>
-          <p:cNvPr id="484" name="Google Shape;484;g340edc0c168_0_0:notes"/>
+          <p:cNvPr id="467" name="Google Shape;467;g340edc0c168_0_81:notes"/>
           <p:cNvSpPr txBox="1"/>
           <p:nvPr>
             <p:ph idx="1" type="body"/>
@@ -1923,7 +1924,7 @@
   <p:cSld>
     <p:spTree>
       <p:nvGrpSpPr>
-        <p:cNvPr id="490" name="Shape 490"/>
+        <p:cNvPr id="475" name="Shape 475"/>
         <p:cNvGrpSpPr/>
         <p:nvPr/>
       </p:nvGrpSpPr>
@@ -1937,7 +1938,7 @@
       </p:grpSpPr>
       <p:sp>
         <p:nvSpPr>
-          <p:cNvPr id="491" name="Google Shape;491;g340edc0c168_0_7:notes"/>
+          <p:cNvPr id="476" name="Google Shape;476;g340edc0c168_0_0:notes"/>
           <p:cNvSpPr/>
           <p:nvPr>
             <p:ph idx="2" type="sldImg"/>
@@ -1972,7 +1973,7 @@
       </p:sp>
       <p:sp>
         <p:nvSpPr>
-          <p:cNvPr id="492" name="Google Shape;492;g340edc0c168_0_7:notes"/>
+          <p:cNvPr id="477" name="Google Shape;477;g340edc0c168_0_0:notes"/>
           <p:cNvSpPr txBox="1"/>
           <p:nvPr>
             <p:ph idx="1" type="body"/>
@@ -2022,7 +2023,7 @@
   <p:cSld>
     <p:spTree>
       <p:nvGrpSpPr>
-        <p:cNvPr id="502" name="Shape 502"/>
+        <p:cNvPr id="483" name="Shape 483"/>
         <p:cNvGrpSpPr/>
         <p:nvPr/>
       </p:nvGrpSpPr>
@@ -2036,7 +2037,7 @@
       </p:grpSpPr>
       <p:sp>
         <p:nvSpPr>
-          <p:cNvPr id="503" name="Google Shape;503;g340cff001b7_0_6:notes"/>
+          <p:cNvPr id="484" name="Google Shape;484;g340edc0c168_0_7:notes"/>
           <p:cNvSpPr/>
           <p:nvPr>
             <p:ph idx="2" type="sldImg"/>
@@ -2071,7 +2072,7 @@
       </p:sp>
       <p:sp>
         <p:nvSpPr>
-          <p:cNvPr id="504" name="Google Shape;504;g340cff001b7_0_6:notes"/>
+          <p:cNvPr id="485" name="Google Shape;485;g340edc0c168_0_7:notes"/>
           <p:cNvSpPr txBox="1"/>
           <p:nvPr>
             <p:ph idx="1" type="body"/>
@@ -2121,7 +2122,7 @@
   <p:cSld>
     <p:spTree>
       <p:nvGrpSpPr>
-        <p:cNvPr id="511" name="Shape 511"/>
+        <p:cNvPr id="493" name="Shape 493"/>
         <p:cNvGrpSpPr/>
         <p:nvPr/>
       </p:nvGrpSpPr>
@@ -2135,7 +2136,7 @@
       </p:grpSpPr>
       <p:sp>
         <p:nvSpPr>
-          <p:cNvPr id="512" name="Google Shape;512;g340b29aa38c_0_241:notes"/>
+          <p:cNvPr id="494" name="Google Shape;494;g340cff001b7_0_6:notes"/>
           <p:cNvSpPr/>
           <p:nvPr>
             <p:ph idx="2" type="sldImg"/>
@@ -2170,7 +2171,106 @@
       </p:sp>
       <p:sp>
         <p:nvSpPr>
-          <p:cNvPr id="513" name="Google Shape;513;g340b29aa38c_0_241:notes"/>
+          <p:cNvPr id="495" name="Google Shape;495;g340cff001b7_0_6:notes"/>
+          <p:cNvSpPr txBox="1"/>
+          <p:nvPr>
+            <p:ph idx="1" type="body"/>
+          </p:nvPr>
+        </p:nvSpPr>
+        <p:spPr>
+          <a:xfrm>
+            <a:off x="685800" y="4343400"/>
+            <a:ext cx="5486400" cy="4114800"/>
+          </a:xfrm>
+          <a:prstGeom prst="rect">
+            <a:avLst/>
+          </a:prstGeom>
+        </p:spPr>
+        <p:txBody>
+          <a:bodyPr anchorCtr="0" anchor="t" bIns="91425" lIns="91425" spcFirstLastPara="1" rIns="91425" wrap="square" tIns="91425">
+            <a:noAutofit/>
+          </a:bodyPr>
+          <a:lstStyle/>
+          <a:p>
+            <a:pPr indent="0" lvl="0" marL="0" rtl="0" algn="l">
+              <a:spcBef>
+                <a:spcPts val="0"/>
+              </a:spcBef>
+              <a:spcAft>
+                <a:spcPts val="0"/>
+              </a:spcAft>
+              <a:buNone/>
+            </a:pPr>
+            <a:r>
+              <a:t/>
+            </a:r>
+            <a:endParaRPr/>
+          </a:p>
+        </p:txBody>
+      </p:sp>
+    </p:spTree>
+  </p:cSld>
+  <p:clrMapOvr>
+    <a:masterClrMapping/>
+  </p:clrMapOvr>
+</p:notes>
+</file>
+
+<file path=ppt/notesSlides/notesSlide23.xml><?xml version="1.0" encoding="utf-8"?>
+<p:notes xmlns:a="http://schemas.openxmlformats.org/drawingml/2006/main" xmlns:r="http://schemas.openxmlformats.org/officeDocument/2006/relationships" xmlns:mc="http://schemas.openxmlformats.org/markup-compatibility/2006" xmlns:mv="urn:schemas-microsoft-com:mac:vml" xmlns:p="http://schemas.openxmlformats.org/presentationml/2006/main" xmlns:c="http://schemas.openxmlformats.org/drawingml/2006/chart" xmlns:dgm="http://schemas.openxmlformats.org/drawingml/2006/diagram" xmlns:o="urn:schemas-microsoft-com:office:office" xmlns:v="urn:schemas-microsoft-com:vml" xmlns:pvml="urn:schemas-microsoft-com:office:powerpoint" xmlns:com="http://schemas.openxmlformats.org/drawingml/2006/compatibility" xmlns:p14="http://schemas.microsoft.com/office/powerpoint/2010/main" xmlns:p15="http://schemas.microsoft.com/office/powerpoint/2012/main" xmlns:ahyp="http://schemas.microsoft.com/office/drawing/2018/hyperlinkcolor" showMasterPhAnim="0" showMasterSp="0">
+  <p:cSld>
+    <p:spTree>
+      <p:nvGrpSpPr>
+        <p:cNvPr id="502" name="Shape 502"/>
+        <p:cNvGrpSpPr/>
+        <p:nvPr/>
+      </p:nvGrpSpPr>
+      <p:grpSpPr>
+        <a:xfrm>
+          <a:off x="0" y="0"/>
+          <a:ext cx="0" cy="0"/>
+          <a:chOff x="0" y="0"/>
+          <a:chExt cx="0" cy="0"/>
+        </a:xfrm>
+      </p:grpSpPr>
+      <p:sp>
+        <p:nvSpPr>
+          <p:cNvPr id="503" name="Google Shape;503;g340b29aa38c_0_241:notes"/>
+          <p:cNvSpPr/>
+          <p:nvPr>
+            <p:ph idx="2" type="sldImg"/>
+          </p:nvPr>
+        </p:nvSpPr>
+        <p:spPr>
+          <a:xfrm>
+            <a:off x="381300" y="685800"/>
+            <a:ext cx="6096000" cy="3429000"/>
+          </a:xfrm>
+          <a:custGeom>
+            <a:rect b="b" l="l" r="r" t="t"/>
+            <a:pathLst>
+              <a:path extrusionOk="0" h="120000" w="120000">
+                <a:moveTo>
+                  <a:pt x="0" y="0"/>
+                </a:moveTo>
+                <a:lnTo>
+                  <a:pt x="120000" y="0"/>
+                </a:lnTo>
+                <a:lnTo>
+                  <a:pt x="120000" y="120000"/>
+                </a:lnTo>
+                <a:lnTo>
+                  <a:pt x="0" y="120000"/>
+                </a:lnTo>
+                <a:close/>
+              </a:path>
+            </a:pathLst>
+          </a:custGeom>
+        </p:spPr>
+      </p:sp>
+      <p:sp>
+        <p:nvSpPr>
+          <p:cNvPr id="504" name="Google Shape;504;g340b29aa38c_0_241:notes"/>
           <p:cNvSpPr txBox="1"/>
           <p:nvPr>
             <p:ph idx="1" type="body"/>
@@ -2319,7 +2419,7 @@
   <p:cSld>
     <p:spTree>
       <p:nvGrpSpPr>
-        <p:cNvPr id="351" name="Shape 351"/>
+        <p:cNvPr id="349" name="Shape 349"/>
         <p:cNvGrpSpPr/>
         <p:nvPr/>
       </p:nvGrpSpPr>
@@ -2333,7 +2433,7 @@
       </p:grpSpPr>
       <p:sp>
         <p:nvSpPr>
-          <p:cNvPr id="352" name="Google Shape;352;g340b29aa38c_0_39:notes"/>
+          <p:cNvPr id="350" name="Google Shape;350;g340b29aa38c_0_39:notes"/>
           <p:cNvSpPr/>
           <p:nvPr>
             <p:ph idx="2" type="sldImg"/>
@@ -2368,7 +2468,7 @@
       </p:sp>
       <p:sp>
         <p:nvSpPr>
-          <p:cNvPr id="353" name="Google Shape;353;g340b29aa38c_0_39:notes"/>
+          <p:cNvPr id="351" name="Google Shape;351;g340b29aa38c_0_39:notes"/>
           <p:cNvSpPr txBox="1"/>
           <p:nvPr>
             <p:ph idx="1" type="body"/>
@@ -2418,7 +2518,7 @@
   <p:cSld>
     <p:spTree>
       <p:nvGrpSpPr>
-        <p:cNvPr id="362" name="Shape 362"/>
+        <p:cNvPr id="360" name="Shape 360"/>
         <p:cNvGrpSpPr/>
         <p:nvPr/>
       </p:nvGrpSpPr>
@@ -2432,7 +2532,7 @@
       </p:grpSpPr>
       <p:sp>
         <p:nvSpPr>
-          <p:cNvPr id="363" name="Google Shape;363;g340b29aa38c_0_49:notes"/>
+          <p:cNvPr id="361" name="Google Shape;361;g340b29aa38c_0_49:notes"/>
           <p:cNvSpPr/>
           <p:nvPr>
             <p:ph idx="2" type="sldImg"/>
@@ -2467,7 +2567,7 @@
       </p:sp>
       <p:sp>
         <p:nvSpPr>
-          <p:cNvPr id="364" name="Google Shape;364;g340b29aa38c_0_49:notes"/>
+          <p:cNvPr id="362" name="Google Shape;362;g340b29aa38c_0_49:notes"/>
           <p:cNvSpPr txBox="1"/>
           <p:nvPr>
             <p:ph idx="1" type="body"/>
@@ -2517,7 +2617,7 @@
   <p:cSld>
     <p:spTree>
       <p:nvGrpSpPr>
-        <p:cNvPr id="369" name="Shape 369"/>
+        <p:cNvPr id="367" name="Shape 367"/>
         <p:cNvGrpSpPr/>
         <p:nvPr/>
       </p:nvGrpSpPr>
@@ -2531,7 +2631,7 @@
       </p:grpSpPr>
       <p:sp>
         <p:nvSpPr>
-          <p:cNvPr id="370" name="Google Shape;370;g340b29aa38c_0_57:notes"/>
+          <p:cNvPr id="368" name="Google Shape;368;g340b29aa38c_0_57:notes"/>
           <p:cNvSpPr/>
           <p:nvPr>
             <p:ph idx="2" type="sldImg"/>
@@ -2566,7 +2666,7 @@
       </p:sp>
       <p:sp>
         <p:nvSpPr>
-          <p:cNvPr id="371" name="Google Shape;371;g340b29aa38c_0_57:notes"/>
+          <p:cNvPr id="369" name="Google Shape;369;g340b29aa38c_0_57:notes"/>
           <p:cNvSpPr txBox="1"/>
           <p:nvPr>
             <p:ph idx="1" type="body"/>
@@ -2616,7 +2716,7 @@
   <p:cSld>
     <p:spTree>
       <p:nvGrpSpPr>
-        <p:cNvPr id="377" name="Shape 377"/>
+        <p:cNvPr id="375" name="Shape 375"/>
         <p:cNvGrpSpPr/>
         <p:nvPr/>
       </p:nvGrpSpPr>
@@ -2630,7 +2730,7 @@
       </p:grpSpPr>
       <p:sp>
         <p:nvSpPr>
-          <p:cNvPr id="378" name="Google Shape;378;g340b29aa38c_0_78:notes"/>
+          <p:cNvPr id="376" name="Google Shape;376;g340b29aa38c_0_78:notes"/>
           <p:cNvSpPr/>
           <p:nvPr>
             <p:ph idx="2" type="sldImg"/>
@@ -2665,7 +2765,7 @@
       </p:sp>
       <p:sp>
         <p:nvSpPr>
-          <p:cNvPr id="379" name="Google Shape;379;g340b29aa38c_0_78:notes"/>
+          <p:cNvPr id="377" name="Google Shape;377;g340b29aa38c_0_78:notes"/>
           <p:cNvSpPr txBox="1"/>
           <p:nvPr>
             <p:ph idx="1" type="body"/>
@@ -2715,7 +2815,7 @@
   <p:cSld>
     <p:spTree>
       <p:nvGrpSpPr>
-        <p:cNvPr id="388" name="Shape 388"/>
+        <p:cNvPr id="384" name="Shape 384"/>
         <p:cNvGrpSpPr/>
         <p:nvPr/>
       </p:nvGrpSpPr>
@@ -2729,7 +2829,7 @@
       </p:grpSpPr>
       <p:sp>
         <p:nvSpPr>
-          <p:cNvPr id="389" name="Google Shape;389;g340edc0c168_0_16:notes"/>
+          <p:cNvPr id="385" name="Google Shape;385;g340edc0c168_0_16:notes"/>
           <p:cNvSpPr/>
           <p:nvPr>
             <p:ph idx="2" type="sldImg"/>
@@ -2764,7 +2864,7 @@
       </p:sp>
       <p:sp>
         <p:nvSpPr>
-          <p:cNvPr id="390" name="Google Shape;390;g340edc0c168_0_16:notes"/>
+          <p:cNvPr id="386" name="Google Shape;386;g340edc0c168_0_16:notes"/>
           <p:cNvSpPr txBox="1"/>
           <p:nvPr>
             <p:ph idx="1" type="body"/>
@@ -2814,7 +2914,7 @@
   <p:cSld>
     <p:spTree>
       <p:nvGrpSpPr>
-        <p:cNvPr id="397" name="Shape 397"/>
+        <p:cNvPr id="391" name="Shape 391"/>
         <p:cNvGrpSpPr/>
         <p:nvPr/>
       </p:nvGrpSpPr>
@@ -2828,7 +2928,7 @@
       </p:grpSpPr>
       <p:sp>
         <p:nvSpPr>
-          <p:cNvPr id="398" name="Google Shape;398;g340edc0c168_0_25:notes"/>
+          <p:cNvPr id="392" name="Google Shape;392;g340edc0c168_0_25:notes"/>
           <p:cNvSpPr/>
           <p:nvPr>
             <p:ph idx="2" type="sldImg"/>
@@ -2863,7 +2963,7 @@
       </p:sp>
       <p:sp>
         <p:nvSpPr>
-          <p:cNvPr id="399" name="Google Shape;399;g340edc0c168_0_25:notes"/>
+          <p:cNvPr id="393" name="Google Shape;393;g340edc0c168_0_25:notes"/>
           <p:cNvSpPr txBox="1"/>
           <p:nvPr>
             <p:ph idx="1" type="body"/>
@@ -34526,7 +34626,7 @@
   <p:cSld>
     <p:spTree>
       <p:nvGrpSpPr>
-        <p:cNvPr id="407" name="Shape 407"/>
+        <p:cNvPr id="401" name="Shape 401"/>
         <p:cNvGrpSpPr/>
         <p:nvPr/>
       </p:nvGrpSpPr>
@@ -34540,7 +34640,7 @@
       </p:grpSpPr>
       <p:sp>
         <p:nvSpPr>
-          <p:cNvPr id="408" name="Google Shape;408;p49"/>
+          <p:cNvPr id="402" name="Google Shape;402;p49"/>
           <p:cNvSpPr txBox="1"/>
           <p:nvPr>
             <p:ph type="title"/>
@@ -34578,87 +34678,9 @@
           </a:p>
         </p:txBody>
       </p:sp>
-      <p:sp>
-        <p:nvSpPr>
-          <p:cNvPr id="409" name="Google Shape;409;p49"/>
-          <p:cNvSpPr txBox="1"/>
-          <p:nvPr>
-            <p:ph idx="7" type="subTitle"/>
-          </p:nvPr>
-        </p:nvSpPr>
-        <p:spPr>
-          <a:xfrm>
-            <a:off x="1716575" y="205550"/>
-            <a:ext cx="2855400" cy="292500"/>
-          </a:xfrm>
-          <a:prstGeom prst="rect">
-            <a:avLst/>
-          </a:prstGeom>
-        </p:spPr>
-        <p:txBody>
-          <a:bodyPr anchorCtr="0" anchor="t" bIns="91425" lIns="91425" spcFirstLastPara="1" rIns="91425" wrap="square" tIns="91425">
-            <a:noAutofit/>
-          </a:bodyPr>
-          <a:lstStyle/>
-          <a:p>
-            <a:pPr indent="0" lvl="0" marL="0" rtl="0" algn="l">
-              <a:spcBef>
-                <a:spcPts val="0"/>
-              </a:spcBef>
-              <a:spcAft>
-                <a:spcPts val="1200"/>
-              </a:spcAft>
-              <a:buNone/>
-            </a:pPr>
-            <a:r>
-              <a:t/>
-            </a:r>
-            <a:endParaRPr/>
-          </a:p>
-        </p:txBody>
-      </p:sp>
-      <p:sp>
-        <p:nvSpPr>
-          <p:cNvPr id="410" name="Google Shape;410;p49"/>
-          <p:cNvSpPr txBox="1"/>
-          <p:nvPr>
-            <p:ph idx="8" type="subTitle"/>
-          </p:nvPr>
-        </p:nvSpPr>
-        <p:spPr>
-          <a:xfrm>
-            <a:off x="333925" y="205550"/>
-            <a:ext cx="1353300" cy="292500"/>
-          </a:xfrm>
-          <a:prstGeom prst="rect">
-            <a:avLst/>
-          </a:prstGeom>
-        </p:spPr>
-        <p:txBody>
-          <a:bodyPr anchorCtr="0" anchor="t" bIns="91425" lIns="91425" spcFirstLastPara="1" rIns="91425" wrap="square" tIns="91425">
-            <a:noAutofit/>
-          </a:bodyPr>
-          <a:lstStyle/>
-          <a:p>
-            <a:pPr indent="0" lvl="0" marL="0" rtl="0" algn="l">
-              <a:spcBef>
-                <a:spcPts val="0"/>
-              </a:spcBef>
-              <a:spcAft>
-                <a:spcPts val="1200"/>
-              </a:spcAft>
-              <a:buNone/>
-            </a:pPr>
-            <a:r>
-              <a:t/>
-            </a:r>
-            <a:endParaRPr/>
-          </a:p>
-        </p:txBody>
-      </p:sp>
       <p:pic>
         <p:nvPicPr>
-          <p:cNvPr id="411" name="Google Shape;411;p49" title="model 90%.png"/>
+          <p:cNvPr id="403" name="Google Shape;403;p49" title="model 90%.png"/>
           <p:cNvPicPr preferRelativeResize="0"/>
           <p:nvPr/>
         </p:nvPicPr>
@@ -34696,7 +34718,7 @@
   <p:cSld>
     <p:spTree>
       <p:nvGrpSpPr>
-        <p:cNvPr id="415" name="Shape 415"/>
+        <p:cNvPr id="407" name="Shape 407"/>
         <p:cNvGrpSpPr/>
         <p:nvPr/>
       </p:nvGrpSpPr>
@@ -34710,7 +34732,7 @@
       </p:grpSpPr>
       <p:sp>
         <p:nvSpPr>
-          <p:cNvPr id="416" name="Google Shape;416;p50"/>
+          <p:cNvPr id="408" name="Google Shape;408;p50"/>
           <p:cNvSpPr/>
           <p:nvPr/>
         </p:nvSpPr>
@@ -34761,7 +34783,7 @@
       </p:sp>
       <p:sp>
         <p:nvSpPr>
-          <p:cNvPr id="417" name="Google Shape;417;p50"/>
+          <p:cNvPr id="409" name="Google Shape;409;p50"/>
           <p:cNvSpPr txBox="1"/>
           <p:nvPr>
             <p:ph idx="12" type="sldNum"/>
@@ -34801,7 +34823,7 @@
       </p:sp>
       <p:sp>
         <p:nvSpPr>
-          <p:cNvPr id="418" name="Google Shape;418;p50"/>
+          <p:cNvPr id="410" name="Google Shape;410;p50"/>
           <p:cNvSpPr txBox="1"/>
           <p:nvPr>
             <p:ph type="title"/>
@@ -34841,7 +34863,7 @@
       </p:sp>
       <p:pic>
         <p:nvPicPr>
-          <p:cNvPr id="419" name="Google Shape;419;p50"/>
+          <p:cNvPr id="411" name="Google Shape;411;p50"/>
           <p:cNvPicPr preferRelativeResize="0"/>
           <p:nvPr/>
         </p:nvPicPr>
@@ -34880,7 +34902,7 @@
   <p:cSld>
     <p:spTree>
       <p:nvGrpSpPr>
-        <p:cNvPr id="423" name="Shape 423"/>
+        <p:cNvPr id="415" name="Shape 415"/>
         <p:cNvGrpSpPr/>
         <p:nvPr/>
       </p:nvGrpSpPr>
@@ -34894,7 +34916,7 @@
       </p:grpSpPr>
       <p:sp>
         <p:nvSpPr>
-          <p:cNvPr id="424" name="Google Shape;424;p51"/>
+          <p:cNvPr id="416" name="Google Shape;416;p51"/>
           <p:cNvSpPr txBox="1"/>
           <p:nvPr>
             <p:ph type="title"/>
@@ -34934,7 +34956,7 @@
       </p:sp>
       <p:sp>
         <p:nvSpPr>
-          <p:cNvPr id="425" name="Google Shape;425;p51"/>
+          <p:cNvPr id="417" name="Google Shape;417;p51"/>
           <p:cNvSpPr txBox="1"/>
           <p:nvPr>
             <p:ph idx="1" type="body"/>
@@ -35007,87 +35029,9 @@
           </a:p>
         </p:txBody>
       </p:sp>
-      <p:sp>
-        <p:nvSpPr>
-          <p:cNvPr id="426" name="Google Shape;426;p51"/>
-          <p:cNvSpPr txBox="1"/>
-          <p:nvPr>
-            <p:ph idx="3" type="subTitle"/>
-          </p:nvPr>
-        </p:nvSpPr>
-        <p:spPr>
-          <a:xfrm>
-            <a:off x="1716575" y="205550"/>
-            <a:ext cx="2855400" cy="292500"/>
-          </a:xfrm>
-          <a:prstGeom prst="rect">
-            <a:avLst/>
-          </a:prstGeom>
-        </p:spPr>
-        <p:txBody>
-          <a:bodyPr anchorCtr="0" anchor="t" bIns="91425" lIns="91425" spcFirstLastPara="1" rIns="91425" wrap="square" tIns="91425">
-            <a:noAutofit/>
-          </a:bodyPr>
-          <a:lstStyle/>
-          <a:p>
-            <a:pPr indent="0" lvl="0" marL="0" rtl="0" algn="l">
-              <a:spcBef>
-                <a:spcPts val="0"/>
-              </a:spcBef>
-              <a:spcAft>
-                <a:spcPts val="1200"/>
-              </a:spcAft>
-              <a:buNone/>
-            </a:pPr>
-            <a:r>
-              <a:t/>
-            </a:r>
-            <a:endParaRPr/>
-          </a:p>
-        </p:txBody>
-      </p:sp>
-      <p:sp>
-        <p:nvSpPr>
-          <p:cNvPr id="427" name="Google Shape;427;p51"/>
-          <p:cNvSpPr txBox="1"/>
-          <p:nvPr>
-            <p:ph idx="4" type="subTitle"/>
-          </p:nvPr>
-        </p:nvSpPr>
-        <p:spPr>
-          <a:xfrm>
-            <a:off x="333925" y="205550"/>
-            <a:ext cx="1353300" cy="292500"/>
-          </a:xfrm>
-          <a:prstGeom prst="rect">
-            <a:avLst/>
-          </a:prstGeom>
-        </p:spPr>
-        <p:txBody>
-          <a:bodyPr anchorCtr="0" anchor="t" bIns="91425" lIns="91425" spcFirstLastPara="1" rIns="91425" wrap="square" tIns="91425">
-            <a:noAutofit/>
-          </a:bodyPr>
-          <a:lstStyle/>
-          <a:p>
-            <a:pPr indent="0" lvl="0" marL="0" rtl="0" algn="l">
-              <a:spcBef>
-                <a:spcPts val="0"/>
-              </a:spcBef>
-              <a:spcAft>
-                <a:spcPts val="1200"/>
-              </a:spcAft>
-              <a:buNone/>
-            </a:pPr>
-            <a:r>
-              <a:t/>
-            </a:r>
-            <a:endParaRPr/>
-          </a:p>
-        </p:txBody>
-      </p:sp>
       <p:pic>
         <p:nvPicPr>
-          <p:cNvPr id="428" name="Google Shape;428;p51"/>
+          <p:cNvPr id="418" name="Google Shape;418;p51"/>
           <p:cNvPicPr preferRelativeResize="0"/>
           <p:nvPr/>
         </p:nvPicPr>
@@ -35126,7 +35070,7 @@
   <p:cSld>
     <p:spTree>
       <p:nvGrpSpPr>
-        <p:cNvPr id="432" name="Shape 432"/>
+        <p:cNvPr id="422" name="Shape 422"/>
         <p:cNvGrpSpPr/>
         <p:nvPr/>
       </p:nvGrpSpPr>
@@ -35140,7 +35084,7 @@
       </p:grpSpPr>
       <p:sp>
         <p:nvSpPr>
-          <p:cNvPr id="433" name="Google Shape;433;p52"/>
+          <p:cNvPr id="423" name="Google Shape;423;p52"/>
           <p:cNvSpPr txBox="1"/>
           <p:nvPr>
             <p:ph type="title"/>
@@ -35188,7 +35132,7 @@
       </p:sp>
       <p:sp>
         <p:nvSpPr>
-          <p:cNvPr id="434" name="Google Shape;434;p52"/>
+          <p:cNvPr id="424" name="Google Shape;424;p52"/>
           <p:cNvSpPr txBox="1"/>
           <p:nvPr>
             <p:ph idx="1" type="body"/>
@@ -35196,7 +35140,7 @@
         </p:nvSpPr>
         <p:spPr>
           <a:xfrm>
-            <a:off x="333925" y="1163150"/>
+            <a:off x="146900" y="1122050"/>
             <a:ext cx="8475600" cy="1123500"/>
           </a:xfrm>
           <a:prstGeom prst="rect">
@@ -35237,7 +35181,7 @@
             </a:pPr>
             <a:r>
               <a:rPr lang="en"/>
-              <a:t>Unfreezing the layers </a:t>
+              <a:t>Unfreezing some/all the layers </a:t>
             </a:r>
             <a:endParaRPr/>
           </a:p>
@@ -35264,87 +35208,9 @@
           </a:p>
         </p:txBody>
       </p:sp>
-      <p:sp>
-        <p:nvSpPr>
-          <p:cNvPr id="435" name="Google Shape;435;p52"/>
-          <p:cNvSpPr txBox="1"/>
-          <p:nvPr>
-            <p:ph idx="3" type="subTitle"/>
-          </p:nvPr>
-        </p:nvSpPr>
-        <p:spPr>
-          <a:xfrm>
-            <a:off x="1716575" y="205550"/>
-            <a:ext cx="2855400" cy="292500"/>
-          </a:xfrm>
-          <a:prstGeom prst="rect">
-            <a:avLst/>
-          </a:prstGeom>
-        </p:spPr>
-        <p:txBody>
-          <a:bodyPr anchorCtr="0" anchor="t" bIns="91425" lIns="91425" spcFirstLastPara="1" rIns="91425" wrap="square" tIns="91425">
-            <a:noAutofit/>
-          </a:bodyPr>
-          <a:lstStyle/>
-          <a:p>
-            <a:pPr indent="0" lvl="0" marL="0" rtl="0" algn="l">
-              <a:spcBef>
-                <a:spcPts val="0"/>
-              </a:spcBef>
-              <a:spcAft>
-                <a:spcPts val="1200"/>
-              </a:spcAft>
-              <a:buNone/>
-            </a:pPr>
-            <a:r>
-              <a:t/>
-            </a:r>
-            <a:endParaRPr/>
-          </a:p>
-        </p:txBody>
-      </p:sp>
-      <p:sp>
-        <p:nvSpPr>
-          <p:cNvPr id="436" name="Google Shape;436;p52"/>
-          <p:cNvSpPr txBox="1"/>
-          <p:nvPr>
-            <p:ph idx="4" type="subTitle"/>
-          </p:nvPr>
-        </p:nvSpPr>
-        <p:spPr>
-          <a:xfrm>
-            <a:off x="333925" y="205550"/>
-            <a:ext cx="1353300" cy="292500"/>
-          </a:xfrm>
-          <a:prstGeom prst="rect">
-            <a:avLst/>
-          </a:prstGeom>
-        </p:spPr>
-        <p:txBody>
-          <a:bodyPr anchorCtr="0" anchor="t" bIns="91425" lIns="91425" spcFirstLastPara="1" rIns="91425" wrap="square" tIns="91425">
-            <a:noAutofit/>
-          </a:bodyPr>
-          <a:lstStyle/>
-          <a:p>
-            <a:pPr indent="0" lvl="0" marL="0" rtl="0" algn="l">
-              <a:spcBef>
-                <a:spcPts val="0"/>
-              </a:spcBef>
-              <a:spcAft>
-                <a:spcPts val="1200"/>
-              </a:spcAft>
-              <a:buNone/>
-            </a:pPr>
-            <a:r>
-              <a:t/>
-            </a:r>
-            <a:endParaRPr/>
-          </a:p>
-        </p:txBody>
-      </p:sp>
       <p:pic>
         <p:nvPicPr>
-          <p:cNvPr id="437" name="Google Shape;437;p52"/>
+          <p:cNvPr id="425" name="Google Shape;425;p52"/>
           <p:cNvPicPr preferRelativeResize="0"/>
           <p:nvPr/>
         </p:nvPicPr>
@@ -35372,7 +35238,7 @@
       </p:pic>
       <p:pic>
         <p:nvPicPr>
-          <p:cNvPr id="438" name="Google Shape;438;p52"/>
+          <p:cNvPr id="426" name="Google Shape;426;p52"/>
           <p:cNvPicPr preferRelativeResize="0"/>
           <p:nvPr/>
         </p:nvPicPr>
@@ -35400,7 +35266,7 @@
       </p:pic>
       <p:sp>
         <p:nvSpPr>
-          <p:cNvPr id="439" name="Google Shape;439;p52"/>
+          <p:cNvPr id="427" name="Google Shape;427;p52"/>
           <p:cNvSpPr txBox="1"/>
           <p:nvPr/>
         </p:nvSpPr>
@@ -35511,7 +35377,7 @@
   <p:cSld>
     <p:spTree>
       <p:nvGrpSpPr>
-        <p:cNvPr id="443" name="Shape 443"/>
+        <p:cNvPr id="431" name="Shape 431"/>
         <p:cNvGrpSpPr/>
         <p:nvPr/>
       </p:nvGrpSpPr>
@@ -35525,7 +35391,7 @@
       </p:grpSpPr>
       <p:sp>
         <p:nvSpPr>
-          <p:cNvPr id="444" name="Google Shape;444;p53"/>
+          <p:cNvPr id="432" name="Google Shape;432;p53"/>
           <p:cNvSpPr txBox="1"/>
           <p:nvPr>
             <p:ph type="title"/>
@@ -35534,7 +35400,7 @@
         <p:spPr>
           <a:xfrm>
             <a:off x="333925" y="587150"/>
-            <a:ext cx="8475600" cy="615600"/>
+            <a:ext cx="8475600" cy="1046700"/>
           </a:xfrm>
           <a:prstGeom prst="rect">
             <a:avLst/>
@@ -35557,7 +35423,23 @@
             </a:pPr>
             <a:r>
               <a:rPr lang="en"/>
-              <a:t>Performance on test set</a:t>
+              <a:t>Performance </a:t>
+            </a:r>
+            <a:endParaRPr/>
+          </a:p>
+          <a:p>
+            <a:pPr indent="0" lvl="0" marL="0" rtl="0" algn="l">
+              <a:spcBef>
+                <a:spcPts val="0"/>
+              </a:spcBef>
+              <a:spcAft>
+                <a:spcPts val="0"/>
+              </a:spcAft>
+              <a:buNone/>
+            </a:pPr>
+            <a:r>
+              <a:rPr lang="en"/>
+              <a:t>on test set</a:t>
             </a:r>
             <a:endParaRPr/>
           </a:p>
@@ -35565,46 +35447,7 @@
       </p:sp>
       <p:sp>
         <p:nvSpPr>
-          <p:cNvPr id="445" name="Google Shape;445;p53"/>
-          <p:cNvSpPr txBox="1"/>
-          <p:nvPr>
-            <p:ph idx="1" type="body"/>
-          </p:nvPr>
-        </p:nvSpPr>
-        <p:spPr>
-          <a:xfrm>
-            <a:off x="333925" y="1163150"/>
-            <a:ext cx="8475600" cy="446400"/>
-          </a:xfrm>
-          <a:prstGeom prst="rect">
-            <a:avLst/>
-          </a:prstGeom>
-        </p:spPr>
-        <p:txBody>
-          <a:bodyPr anchorCtr="0" anchor="t" bIns="91425" lIns="91425" spcFirstLastPara="1" rIns="91425" wrap="square" tIns="91425">
-            <a:spAutoFit/>
-          </a:bodyPr>
-          <a:lstStyle/>
-          <a:p>
-            <a:pPr indent="0" lvl="0" marL="0" rtl="0" algn="l">
-              <a:spcBef>
-                <a:spcPts val="0"/>
-              </a:spcBef>
-              <a:spcAft>
-                <a:spcPts val="1200"/>
-              </a:spcAft>
-              <a:buNone/>
-            </a:pPr>
-            <a:r>
-              <a:t/>
-            </a:r>
-            <a:endParaRPr/>
-          </a:p>
-        </p:txBody>
-      </p:sp>
-      <p:sp>
-        <p:nvSpPr>
-          <p:cNvPr id="446" name="Google Shape;446;p53"/>
+          <p:cNvPr id="433" name="Google Shape;433;p53"/>
           <p:cNvSpPr txBox="1"/>
           <p:nvPr>
             <p:ph idx="3" type="subTitle"/>
@@ -35643,7 +35486,7 @@
       </p:sp>
       <p:sp>
         <p:nvSpPr>
-          <p:cNvPr id="447" name="Google Shape;447;p53"/>
+          <p:cNvPr id="434" name="Google Shape;434;p53"/>
           <p:cNvSpPr txBox="1"/>
           <p:nvPr>
             <p:ph idx="4" type="subTitle"/>
@@ -35682,7 +35525,7 @@
       </p:sp>
       <p:pic>
         <p:nvPicPr>
-          <p:cNvPr id="448" name="Google Shape;448;p53"/>
+          <p:cNvPr id="435" name="Google Shape;435;p53"/>
           <p:cNvPicPr preferRelativeResize="0"/>
           <p:nvPr/>
         </p:nvPicPr>
@@ -35696,8 +35539,8 @@
         </p:blipFill>
         <p:spPr>
           <a:xfrm>
-            <a:off x="1292350" y="2274650"/>
-            <a:ext cx="6558750" cy="2232025"/>
+            <a:off x="4360725" y="404525"/>
+            <a:ext cx="4253434" cy="4670450"/>
           </a:xfrm>
           <a:prstGeom prst="rect">
             <a:avLst/>
@@ -35721,7 +35564,7 @@
   <p:cSld>
     <p:spTree>
       <p:nvGrpSpPr>
-        <p:cNvPr id="452" name="Shape 452"/>
+        <p:cNvPr id="439" name="Shape 439"/>
         <p:cNvGrpSpPr/>
         <p:nvPr/>
       </p:nvGrpSpPr>
@@ -35735,7 +35578,7 @@
       </p:grpSpPr>
       <p:sp>
         <p:nvSpPr>
-          <p:cNvPr id="453" name="Google Shape;453;p54"/>
+          <p:cNvPr id="440" name="Google Shape;440;p54"/>
           <p:cNvSpPr txBox="1"/>
           <p:nvPr>
             <p:ph type="title"/>
@@ -35775,7 +35618,7 @@
       </p:sp>
       <p:sp>
         <p:nvSpPr>
-          <p:cNvPr id="454" name="Google Shape;454;p54"/>
+          <p:cNvPr id="441" name="Google Shape;441;p54"/>
           <p:cNvSpPr txBox="1"/>
           <p:nvPr/>
         </p:nvSpPr>
@@ -35881,7 +35724,7 @@
       </p:sp>
       <p:pic>
         <p:nvPicPr>
-          <p:cNvPr id="455" name="Google Shape;455;p54"/>
+          <p:cNvPr id="442" name="Google Shape;442;p54"/>
           <p:cNvPicPr preferRelativeResize="0"/>
           <p:nvPr/>
         </p:nvPicPr>
@@ -35920,7 +35763,7 @@
   <p:cSld>
     <p:spTree>
       <p:nvGrpSpPr>
-        <p:cNvPr id="459" name="Shape 459"/>
+        <p:cNvPr id="446" name="Shape 446"/>
         <p:cNvGrpSpPr/>
         <p:nvPr/>
       </p:nvGrpSpPr>
@@ -35934,7 +35777,7 @@
       </p:grpSpPr>
       <p:sp>
         <p:nvSpPr>
-          <p:cNvPr id="460" name="Google Shape;460;p55"/>
+          <p:cNvPr id="447" name="Google Shape;447;p55"/>
           <p:cNvSpPr txBox="1"/>
           <p:nvPr>
             <p:ph type="title"/>
@@ -35974,7 +35817,7 @@
       </p:sp>
       <p:pic>
         <p:nvPicPr>
-          <p:cNvPr id="461" name="Google Shape;461;p55"/>
+          <p:cNvPr id="448" name="Google Shape;448;p55"/>
           <p:cNvPicPr preferRelativeResize="0"/>
           <p:nvPr/>
         </p:nvPicPr>
@@ -36002,7 +35845,7 @@
       </p:pic>
       <p:sp>
         <p:nvSpPr>
-          <p:cNvPr id="462" name="Google Shape;462;p55"/>
+          <p:cNvPr id="449" name="Google Shape;449;p55"/>
           <p:cNvSpPr txBox="1"/>
           <p:nvPr/>
         </p:nvSpPr>
@@ -36119,7 +35962,7 @@
   <p:cSld>
     <p:spTree>
       <p:nvGrpSpPr>
-        <p:cNvPr id="466" name="Shape 466"/>
+        <p:cNvPr id="453" name="Shape 453"/>
         <p:cNvGrpSpPr/>
         <p:nvPr/>
       </p:nvGrpSpPr>
@@ -36133,16 +35976,16 @@
       </p:grpSpPr>
       <p:sp>
         <p:nvSpPr>
-          <p:cNvPr id="467" name="Google Shape;467;p56"/>
+          <p:cNvPr id="454" name="Google Shape;454;p56"/>
           <p:cNvSpPr txBox="1"/>
           <p:nvPr>
-            <p:ph idx="2" type="subTitle"/>
+            <p:ph type="title"/>
           </p:nvPr>
         </p:nvSpPr>
         <p:spPr>
           <a:xfrm>
-            <a:off x="1716575" y="205550"/>
-            <a:ext cx="2855400" cy="292500"/>
+            <a:off x="333925" y="587150"/>
+            <a:ext cx="8475600" cy="615600"/>
           </a:xfrm>
           <a:prstGeom prst="rect">
             <a:avLst/>
@@ -36150,7 +35993,7 @@
         </p:spPr>
         <p:txBody>
           <a:bodyPr anchorCtr="0" anchor="t" bIns="91425" lIns="91425" spcFirstLastPara="1" rIns="91425" wrap="square" tIns="91425">
-            <a:noAutofit/>
+            <a:spAutoFit/>
           </a:bodyPr>
           <a:lstStyle/>
           <a:p>
@@ -36159,34 +36002,64 @@
                 <a:spcPts val="0"/>
               </a:spcBef>
               <a:spcAft>
-                <a:spcPts val="1200"/>
+                <a:spcPts val="0"/>
               </a:spcAft>
               <a:buNone/>
             </a:pPr>
             <a:r>
               <a:rPr lang="en"/>
-              <a:t>What are Amino Acids?</a:t>
+              <a:t>Testing the Pipeline</a:t>
             </a:r>
             <a:endParaRPr/>
           </a:p>
         </p:txBody>
       </p:sp>
-      <p:sp>
-        <p:nvSpPr>
-          <p:cNvPr id="468" name="Google Shape;468;p56"/>
-          <p:cNvSpPr txBox="1"/>
-          <p:nvPr>
-            <p:ph idx="3" type="subTitle"/>
-          </p:nvPr>
-        </p:nvSpPr>
+      <p:pic>
+        <p:nvPicPr>
+          <p:cNvPr id="455" name="Google Shape;455;p56"/>
+          <p:cNvPicPr preferRelativeResize="0"/>
+          <p:nvPr/>
+        </p:nvPicPr>
+        <p:blipFill>
+          <a:blip r:embed="rId3">
+            <a:alphaModFix/>
+          </a:blip>
+          <a:stretch>
+            <a:fillRect/>
+          </a:stretch>
+        </p:blipFill>
         <p:spPr>
           <a:xfrm>
-            <a:off x="333925" y="205550"/>
-            <a:ext cx="1353300" cy="292500"/>
+            <a:off x="1599925" y="3464625"/>
+            <a:ext cx="5943600" cy="1514475"/>
           </a:xfrm>
           <a:prstGeom prst="rect">
             <a:avLst/>
           </a:prstGeom>
+          <a:noFill/>
+          <a:ln>
+            <a:noFill/>
+          </a:ln>
+        </p:spPr>
+      </p:pic>
+      <p:sp>
+        <p:nvSpPr>
+          <p:cNvPr id="456" name="Google Shape;456;p56"/>
+          <p:cNvSpPr txBox="1"/>
+          <p:nvPr/>
+        </p:nvSpPr>
+        <p:spPr>
+          <a:xfrm>
+            <a:off x="454225" y="1349325"/>
+            <a:ext cx="8283000" cy="2115300"/>
+          </a:xfrm>
+          <a:prstGeom prst="rect">
+            <a:avLst/>
+          </a:prstGeom>
+          <a:noFill/>
+          <a:ln>
+            <a:noFill/>
+          </a:ln>
         </p:spPr>
         <p:txBody>
           <a:bodyPr anchorCtr="0" anchor="t" bIns="91425" lIns="91425" spcFirstLastPara="1" rIns="91425" wrap="square" tIns="91425">
@@ -36194,26 +36067,209 @@
           </a:bodyPr>
           <a:lstStyle/>
           <a:p>
-            <a:pPr indent="0" lvl="0" marL="0" rtl="0" algn="l">
-              <a:spcBef>
-                <a:spcPts val="0"/>
-              </a:spcBef>
-              <a:spcAft>
-                <a:spcPts val="1200"/>
-              </a:spcAft>
-              <a:buNone/>
+            <a:pPr indent="-336550" lvl="0" marL="457200" rtl="0" algn="l">
+              <a:spcBef>
+                <a:spcPts val="0"/>
+              </a:spcBef>
+              <a:spcAft>
+                <a:spcPts val="0"/>
+              </a:spcAft>
+              <a:buClr>
+                <a:schemeClr val="dk1"/>
+              </a:buClr>
+              <a:buSzPts val="1700"/>
+              <a:buFont typeface="Inter Tight"/>
+              <a:buChar char="●"/>
             </a:pPr>
             <a:r>
-              <a:rPr lang="en"/>
-              <a:t>Introduction to DNA</a:t>
+              <a:rPr b="1" lang="en" sz="1700">
+                <a:solidFill>
+                  <a:schemeClr val="dk1"/>
+                </a:solidFill>
+                <a:latin typeface="Inter Tight"/>
+                <a:ea typeface="Inter Tight"/>
+                <a:cs typeface="Inter Tight"/>
+                <a:sym typeface="Inter Tight"/>
+              </a:rPr>
+              <a:t>Testing 3 components:</a:t>
             </a:r>
-            <a:endParaRPr/>
+            <a:endParaRPr sz="1700">
+              <a:solidFill>
+                <a:schemeClr val="dk1"/>
+              </a:solidFill>
+              <a:latin typeface="Inter Tight"/>
+              <a:ea typeface="Inter Tight"/>
+              <a:cs typeface="Inter Tight"/>
+              <a:sym typeface="Inter Tight"/>
+            </a:endParaRPr>
+          </a:p>
+          <a:p>
+            <a:pPr indent="-336550" lvl="1" marL="914400" rtl="0" algn="l">
+              <a:spcBef>
+                <a:spcPts val="0"/>
+              </a:spcBef>
+              <a:spcAft>
+                <a:spcPts val="0"/>
+              </a:spcAft>
+              <a:buClr>
+                <a:schemeClr val="dk1"/>
+              </a:buClr>
+              <a:buSzPts val="1700"/>
+              <a:buFont typeface="Inter Tight"/>
+              <a:buChar char="○"/>
+            </a:pPr>
+            <a:r>
+              <a:rPr lang="en" sz="1700">
+                <a:solidFill>
+                  <a:schemeClr val="dk1"/>
+                </a:solidFill>
+                <a:latin typeface="Inter Tight"/>
+                <a:ea typeface="Inter Tight"/>
+                <a:cs typeface="Inter Tight"/>
+                <a:sym typeface="Inter Tight"/>
+              </a:rPr>
+              <a:t>Data Processing : ensures that data is correctly loaded and in correct shape</a:t>
+            </a:r>
+            <a:endParaRPr sz="1700">
+              <a:solidFill>
+                <a:schemeClr val="dk1"/>
+              </a:solidFill>
+              <a:latin typeface="Inter Tight"/>
+              <a:ea typeface="Inter Tight"/>
+              <a:cs typeface="Inter Tight"/>
+              <a:sym typeface="Inter Tight"/>
+            </a:endParaRPr>
+          </a:p>
+          <a:p>
+            <a:pPr indent="-336550" lvl="1" marL="914400" rtl="0" algn="l">
+              <a:spcBef>
+                <a:spcPts val="0"/>
+              </a:spcBef>
+              <a:spcAft>
+                <a:spcPts val="0"/>
+              </a:spcAft>
+              <a:buClr>
+                <a:schemeClr val="dk1"/>
+              </a:buClr>
+              <a:buSzPts val="1700"/>
+              <a:buFont typeface="Inter Tight"/>
+              <a:buChar char="○"/>
+            </a:pPr>
+            <a:r>
+              <a:rPr lang="en" sz="1700">
+                <a:solidFill>
+                  <a:schemeClr val="dk1"/>
+                </a:solidFill>
+                <a:latin typeface="Inter Tight"/>
+                <a:ea typeface="Inter Tight"/>
+                <a:cs typeface="Inter Tight"/>
+                <a:sym typeface="Inter Tight"/>
+              </a:rPr>
+              <a:t>Model Training : Sets up the model, does a forward pass, ensure the training runs without problems</a:t>
+            </a:r>
+            <a:endParaRPr sz="1700">
+              <a:solidFill>
+                <a:schemeClr val="dk1"/>
+              </a:solidFill>
+              <a:latin typeface="Inter Tight"/>
+              <a:ea typeface="Inter Tight"/>
+              <a:cs typeface="Inter Tight"/>
+              <a:sym typeface="Inter Tight"/>
+            </a:endParaRPr>
+          </a:p>
+          <a:p>
+            <a:pPr indent="-336550" lvl="1" marL="914400" rtl="0" algn="l">
+              <a:spcBef>
+                <a:spcPts val="0"/>
+              </a:spcBef>
+              <a:spcAft>
+                <a:spcPts val="0"/>
+              </a:spcAft>
+              <a:buClr>
+                <a:schemeClr val="dk1"/>
+              </a:buClr>
+              <a:buSzPts val="1700"/>
+              <a:buFont typeface="Inter Tight"/>
+              <a:buChar char="○"/>
+            </a:pPr>
+            <a:r>
+              <a:rPr lang="en" sz="1700">
+                <a:solidFill>
+                  <a:schemeClr val="dk1"/>
+                </a:solidFill>
+                <a:latin typeface="Inter Tight"/>
+                <a:ea typeface="Inter Tight"/>
+                <a:cs typeface="Inter Tight"/>
+                <a:sym typeface="Inter Tight"/>
+              </a:rPr>
+              <a:t>Model Testing  : loads the trained model, runs a test, ensures correct output shape </a:t>
+            </a:r>
+            <a:endParaRPr sz="1700">
+              <a:solidFill>
+                <a:schemeClr val="dk1"/>
+              </a:solidFill>
+              <a:latin typeface="Inter Tight"/>
+              <a:ea typeface="Inter Tight"/>
+              <a:cs typeface="Inter Tight"/>
+              <a:sym typeface="Inter Tight"/>
+            </a:endParaRPr>
           </a:p>
         </p:txBody>
       </p:sp>
+      <p:cxnSp>
+        <p:nvCxnSpPr>
+          <p:cNvPr id="457" name="Google Shape;457;p56"/>
+          <p:cNvCxnSpPr/>
+          <p:nvPr/>
+        </p:nvCxnSpPr>
+        <p:spPr>
+          <a:xfrm flipH="1">
+            <a:off x="2778825" y="4528950"/>
+            <a:ext cx="1656600" cy="187200"/>
+          </a:xfrm>
+          <a:prstGeom prst="straightConnector1">
+            <a:avLst/>
+          </a:prstGeom>
+          <a:noFill/>
+          <a:ln cap="flat" cmpd="sng" w="19050">
+            <a:solidFill>
+              <a:schemeClr val="lt1"/>
+            </a:solidFill>
+            <a:prstDash val="solid"/>
+            <a:round/>
+            <a:headEnd len="med" w="med" type="none"/>
+            <a:tailEnd len="med" w="med" type="triangle"/>
+          </a:ln>
+        </p:spPr>
+      </p:cxnSp>
+    </p:spTree>
+  </p:cSld>
+  <p:clrMapOvr>
+    <a:masterClrMapping/>
+  </p:clrMapOvr>
+</p:sld>
+</file>
+
+<file path=ppt/slides/slide18.xml><?xml version="1.0" encoding="utf-8"?>
+<p:sld xmlns:a="http://schemas.openxmlformats.org/drawingml/2006/main" xmlns:r="http://schemas.openxmlformats.org/officeDocument/2006/relationships" xmlns:mc="http://schemas.openxmlformats.org/markup-compatibility/2006" xmlns:mv="urn:schemas-microsoft-com:mac:vml" xmlns:p="http://schemas.openxmlformats.org/presentationml/2006/main" xmlns:c="http://schemas.openxmlformats.org/drawingml/2006/chart" xmlns:dgm="http://schemas.openxmlformats.org/drawingml/2006/diagram" xmlns:o="urn:schemas-microsoft-com:office:office" xmlns:v="urn:schemas-microsoft-com:vml" xmlns:pvml="urn:schemas-microsoft-com:office:powerpoint" xmlns:com="http://schemas.openxmlformats.org/drawingml/2006/compatibility" xmlns:p14="http://schemas.microsoft.com/office/powerpoint/2010/main" xmlns:p15="http://schemas.microsoft.com/office/powerpoint/2012/main" xmlns:ahyp="http://schemas.microsoft.com/office/drawing/2018/hyperlinkcolor">
+  <p:cSld>
+    <p:spTree>
+      <p:nvGrpSpPr>
+        <p:cNvPr id="461" name="Shape 461"/>
+        <p:cNvGrpSpPr/>
+        <p:nvPr/>
+      </p:nvGrpSpPr>
+      <p:grpSpPr>
+        <a:xfrm>
+          <a:off x="0" y="0"/>
+          <a:ext cx="0" cy="0"/>
+          <a:chOff x="0" y="0"/>
+          <a:chExt cx="0" cy="0"/>
+        </a:xfrm>
+      </p:grpSpPr>
       <p:sp>
         <p:nvSpPr>
-          <p:cNvPr id="469" name="Google Shape;469;p56"/>
+          <p:cNvPr id="462" name="Google Shape;462;p57"/>
           <p:cNvSpPr txBox="1"/>
           <p:nvPr>
             <p:ph idx="12" type="sldNum"/>
@@ -36253,7 +36309,7 @@
       </p:sp>
       <p:sp>
         <p:nvSpPr>
-          <p:cNvPr id="470" name="Google Shape;470;p56"/>
+          <p:cNvPr id="463" name="Google Shape;463;p57"/>
           <p:cNvSpPr txBox="1"/>
           <p:nvPr>
             <p:ph idx="1" type="body"/>
@@ -36293,7 +36349,7 @@
       </p:sp>
       <p:sp>
         <p:nvSpPr>
-          <p:cNvPr id="471" name="Google Shape;471;p56"/>
+          <p:cNvPr id="464" name="Google Shape;464;p57"/>
           <p:cNvSpPr txBox="1"/>
           <p:nvPr>
             <p:ph type="title"/>
@@ -36339,12 +36395,12 @@
 </p:sld>
 </file>
 
-<file path=ppt/slides/slide18.xml><?xml version="1.0" encoding="utf-8"?>
+<file path=ppt/slides/slide19.xml><?xml version="1.0" encoding="utf-8"?>
 <p:sld xmlns:a="http://schemas.openxmlformats.org/drawingml/2006/main" xmlns:r="http://schemas.openxmlformats.org/officeDocument/2006/relationships" xmlns:mc="http://schemas.openxmlformats.org/markup-compatibility/2006" xmlns:mv="urn:schemas-microsoft-com:mac:vml" xmlns:p="http://schemas.openxmlformats.org/presentationml/2006/main" xmlns:c="http://schemas.openxmlformats.org/drawingml/2006/chart" xmlns:dgm="http://schemas.openxmlformats.org/drawingml/2006/diagram" xmlns:o="urn:schemas-microsoft-com:office:office" xmlns:v="urn:schemas-microsoft-com:vml" xmlns:pvml="urn:schemas-microsoft-com:office:powerpoint" xmlns:com="http://schemas.openxmlformats.org/drawingml/2006/compatibility" xmlns:p14="http://schemas.microsoft.com/office/powerpoint/2010/main" xmlns:p15="http://schemas.microsoft.com/office/powerpoint/2012/main" xmlns:ahyp="http://schemas.microsoft.com/office/drawing/2018/hyperlinkcolor">
   <p:cSld>
     <p:spTree>
       <p:nvGrpSpPr>
-        <p:cNvPr id="475" name="Shape 475"/>
+        <p:cNvPr id="468" name="Shape 468"/>
         <p:cNvGrpSpPr/>
         <p:nvPr/>
       </p:nvGrpSpPr>
@@ -36358,7 +36414,7 @@
       </p:grpSpPr>
       <p:sp>
         <p:nvSpPr>
-          <p:cNvPr id="476" name="Google Shape;476;p57"/>
+          <p:cNvPr id="469" name="Google Shape;469;p58"/>
           <p:cNvSpPr txBox="1"/>
           <p:nvPr>
             <p:ph type="title"/>
@@ -36398,7 +36454,7 @@
       </p:sp>
       <p:sp>
         <p:nvSpPr>
-          <p:cNvPr id="477" name="Google Shape;477;p57"/>
+          <p:cNvPr id="470" name="Google Shape;470;p58"/>
           <p:cNvSpPr txBox="1"/>
           <p:nvPr>
             <p:ph idx="7" type="subTitle"/>
@@ -36437,7 +36493,7 @@
       </p:sp>
       <p:sp>
         <p:nvSpPr>
-          <p:cNvPr id="478" name="Google Shape;478;p57"/>
+          <p:cNvPr id="471" name="Google Shape;471;p58"/>
           <p:cNvSpPr txBox="1"/>
           <p:nvPr>
             <p:ph idx="8" type="subTitle"/>
@@ -36476,7 +36532,7 @@
       </p:sp>
       <p:sp>
         <p:nvSpPr>
-          <p:cNvPr id="479" name="Google Shape;479;p57"/>
+          <p:cNvPr id="472" name="Google Shape;472;p58"/>
           <p:cNvSpPr txBox="1"/>
           <p:nvPr/>
         </p:nvSpPr>
@@ -36674,7 +36730,7 @@
       </p:sp>
       <p:pic>
         <p:nvPicPr>
-          <p:cNvPr id="480" name="Google Shape;480;p57"/>
+          <p:cNvPr id="473" name="Google Shape;473;p58"/>
           <p:cNvPicPr preferRelativeResize="0"/>
           <p:nvPr/>
         </p:nvPicPr>
@@ -36702,7 +36758,7 @@
       </p:pic>
       <p:pic>
         <p:nvPicPr>
-          <p:cNvPr id="481" name="Google Shape;481;p57"/>
+          <p:cNvPr id="474" name="Google Shape;474;p58"/>
           <p:cNvPicPr preferRelativeResize="0"/>
           <p:nvPr/>
         </p:nvPicPr>
@@ -36727,189 +36783,6 @@
           </a:ln>
         </p:spPr>
       </p:pic>
-    </p:spTree>
-  </p:cSld>
-  <p:clrMapOvr>
-    <a:masterClrMapping/>
-  </p:clrMapOvr>
-</p:sld>
-</file>
-
-<file path=ppt/slides/slide19.xml><?xml version="1.0" encoding="utf-8"?>
-<p:sld xmlns:a="http://schemas.openxmlformats.org/drawingml/2006/main" xmlns:r="http://schemas.openxmlformats.org/officeDocument/2006/relationships" xmlns:mc="http://schemas.openxmlformats.org/markup-compatibility/2006" xmlns:mv="urn:schemas-microsoft-com:mac:vml" xmlns:p="http://schemas.openxmlformats.org/presentationml/2006/main" xmlns:c="http://schemas.openxmlformats.org/drawingml/2006/chart" xmlns:dgm="http://schemas.openxmlformats.org/drawingml/2006/diagram" xmlns:o="urn:schemas-microsoft-com:office:office" xmlns:v="urn:schemas-microsoft-com:vml" xmlns:pvml="urn:schemas-microsoft-com:office:powerpoint" xmlns:com="http://schemas.openxmlformats.org/drawingml/2006/compatibility" xmlns:p14="http://schemas.microsoft.com/office/powerpoint/2010/main" xmlns:p15="http://schemas.microsoft.com/office/powerpoint/2012/main" xmlns:ahyp="http://schemas.microsoft.com/office/drawing/2018/hyperlinkcolor">
-  <p:cSld>
-    <p:spTree>
-      <p:nvGrpSpPr>
-        <p:cNvPr id="485" name="Shape 485"/>
-        <p:cNvGrpSpPr/>
-        <p:nvPr/>
-      </p:nvGrpSpPr>
-      <p:grpSpPr>
-        <a:xfrm>
-          <a:off x="0" y="0"/>
-          <a:ext cx="0" cy="0"/>
-          <a:chOff x="0" y="0"/>
-          <a:chExt cx="0" cy="0"/>
-        </a:xfrm>
-      </p:grpSpPr>
-      <p:sp>
-        <p:nvSpPr>
-          <p:cNvPr id="486" name="Google Shape;486;p58"/>
-          <p:cNvSpPr txBox="1"/>
-          <p:nvPr>
-            <p:ph type="title"/>
-          </p:nvPr>
-        </p:nvSpPr>
-        <p:spPr>
-          <a:xfrm>
-            <a:off x="2479675" y="1637413"/>
-            <a:ext cx="4184700" cy="572700"/>
-          </a:xfrm>
-          <a:prstGeom prst="rect">
-            <a:avLst/>
-          </a:prstGeom>
-        </p:spPr>
-        <p:txBody>
-          <a:bodyPr anchorCtr="0" anchor="b" bIns="91425" lIns="91425" spcFirstLastPara="1" rIns="91425" wrap="square" tIns="91425">
-            <a:noAutofit/>
-          </a:bodyPr>
-          <a:lstStyle/>
-          <a:p>
-            <a:pPr indent="0" lvl="0" marL="0" rtl="0" algn="l">
-              <a:spcBef>
-                <a:spcPts val="0"/>
-              </a:spcBef>
-              <a:spcAft>
-                <a:spcPts val="0"/>
-              </a:spcAft>
-              <a:buNone/>
-            </a:pPr>
-            <a:r>
-              <a:rPr lang="en"/>
-              <a:t>Model Optimization</a:t>
-            </a:r>
-            <a:endParaRPr/>
-          </a:p>
-        </p:txBody>
-      </p:sp>
-      <p:sp>
-        <p:nvSpPr>
-          <p:cNvPr id="487" name="Google Shape;487;p58"/>
-          <p:cNvSpPr txBox="1"/>
-          <p:nvPr>
-            <p:ph idx="1" type="body"/>
-          </p:nvPr>
-        </p:nvSpPr>
-        <p:spPr>
-          <a:xfrm>
-            <a:off x="2479675" y="2291377"/>
-            <a:ext cx="4184700" cy="446400"/>
-          </a:xfrm>
-          <a:prstGeom prst="rect">
-            <a:avLst/>
-          </a:prstGeom>
-        </p:spPr>
-        <p:txBody>
-          <a:bodyPr anchorCtr="0" anchor="t" bIns="91425" lIns="91425" spcFirstLastPara="1" rIns="91425" wrap="square" tIns="91425">
-            <a:spAutoFit/>
-          </a:bodyPr>
-          <a:lstStyle/>
-          <a:p>
-            <a:pPr indent="0" lvl="0" marL="0" rtl="0" algn="l">
-              <a:spcBef>
-                <a:spcPts val="0"/>
-              </a:spcBef>
-              <a:spcAft>
-                <a:spcPts val="1200"/>
-              </a:spcAft>
-              <a:buNone/>
-            </a:pPr>
-            <a:r>
-              <a:rPr lang="en"/>
-              <a:t>Using ONNX inference</a:t>
-            </a:r>
-            <a:endParaRPr/>
-          </a:p>
-        </p:txBody>
-      </p:sp>
-      <p:sp>
-        <p:nvSpPr>
-          <p:cNvPr id="488" name="Google Shape;488;p58"/>
-          <p:cNvSpPr txBox="1"/>
-          <p:nvPr>
-            <p:ph idx="2" type="subTitle"/>
-          </p:nvPr>
-        </p:nvSpPr>
-        <p:spPr>
-          <a:xfrm>
-            <a:off x="1716575" y="205550"/>
-            <a:ext cx="2855400" cy="292500"/>
-          </a:xfrm>
-          <a:prstGeom prst="rect">
-            <a:avLst/>
-          </a:prstGeom>
-        </p:spPr>
-        <p:txBody>
-          <a:bodyPr anchorCtr="0" anchor="t" bIns="91425" lIns="91425" spcFirstLastPara="1" rIns="91425" wrap="square" tIns="91425">
-            <a:noAutofit/>
-          </a:bodyPr>
-          <a:lstStyle/>
-          <a:p>
-            <a:pPr indent="0" lvl="0" marL="0" rtl="0" algn="l">
-              <a:spcBef>
-                <a:spcPts val="0"/>
-              </a:spcBef>
-              <a:spcAft>
-                <a:spcPts val="1200"/>
-              </a:spcAft>
-              <a:buNone/>
-            </a:pPr>
-            <a:r>
-              <a:t/>
-            </a:r>
-            <a:endParaRPr/>
-          </a:p>
-        </p:txBody>
-      </p:sp>
-      <p:sp>
-        <p:nvSpPr>
-          <p:cNvPr id="489" name="Google Shape;489;p58"/>
-          <p:cNvSpPr txBox="1"/>
-          <p:nvPr>
-            <p:ph idx="3" type="subTitle"/>
-          </p:nvPr>
-        </p:nvSpPr>
-        <p:spPr>
-          <a:xfrm>
-            <a:off x="333925" y="205550"/>
-            <a:ext cx="1353300" cy="292500"/>
-          </a:xfrm>
-          <a:prstGeom prst="rect">
-            <a:avLst/>
-          </a:prstGeom>
-        </p:spPr>
-        <p:txBody>
-          <a:bodyPr anchorCtr="0" anchor="t" bIns="91425" lIns="91425" spcFirstLastPara="1" rIns="91425" wrap="square" tIns="91425">
-            <a:noAutofit/>
-          </a:bodyPr>
-          <a:lstStyle/>
-          <a:p>
-            <a:pPr indent="0" lvl="0" marL="0" rtl="0" algn="l">
-              <a:spcBef>
-                <a:spcPts val="0"/>
-              </a:spcBef>
-              <a:spcAft>
-                <a:spcPts val="1200"/>
-              </a:spcAft>
-              <a:buNone/>
-            </a:pPr>
-            <a:r>
-              <a:t/>
-            </a:r>
-            <a:endParaRPr/>
-          </a:p>
-        </p:txBody>
-      </p:sp>
     </p:spTree>
   </p:cSld>
   <p:clrMapOvr>
@@ -37702,7 +37575,7 @@
   <p:cSld>
     <p:spTree>
       <p:nvGrpSpPr>
-        <p:cNvPr id="493" name="Shape 493"/>
+        <p:cNvPr id="478" name="Shape 478"/>
         <p:cNvGrpSpPr/>
         <p:nvPr/>
       </p:nvGrpSpPr>
@@ -37716,10 +37589,90 @@
       </p:grpSpPr>
       <p:sp>
         <p:nvSpPr>
-          <p:cNvPr id="494" name="Google Shape;494;p59"/>
+          <p:cNvPr id="479" name="Google Shape;479;p59"/>
           <p:cNvSpPr txBox="1"/>
           <p:nvPr>
-            <p:ph idx="3" type="subTitle"/>
+            <p:ph type="title"/>
+          </p:nvPr>
+        </p:nvSpPr>
+        <p:spPr>
+          <a:xfrm>
+            <a:off x="2479675" y="1637413"/>
+            <a:ext cx="4184700" cy="572700"/>
+          </a:xfrm>
+          <a:prstGeom prst="rect">
+            <a:avLst/>
+          </a:prstGeom>
+        </p:spPr>
+        <p:txBody>
+          <a:bodyPr anchorCtr="0" anchor="b" bIns="91425" lIns="91425" spcFirstLastPara="1" rIns="91425" wrap="square" tIns="91425">
+            <a:noAutofit/>
+          </a:bodyPr>
+          <a:lstStyle/>
+          <a:p>
+            <a:pPr indent="0" lvl="0" marL="0" rtl="0" algn="l">
+              <a:spcBef>
+                <a:spcPts val="0"/>
+              </a:spcBef>
+              <a:spcAft>
+                <a:spcPts val="0"/>
+              </a:spcAft>
+              <a:buNone/>
+            </a:pPr>
+            <a:r>
+              <a:rPr lang="en"/>
+              <a:t>Model Optimization</a:t>
+            </a:r>
+            <a:endParaRPr/>
+          </a:p>
+        </p:txBody>
+      </p:sp>
+      <p:sp>
+        <p:nvSpPr>
+          <p:cNvPr id="480" name="Google Shape;480;p59"/>
+          <p:cNvSpPr txBox="1"/>
+          <p:nvPr>
+            <p:ph idx="1" type="body"/>
+          </p:nvPr>
+        </p:nvSpPr>
+        <p:spPr>
+          <a:xfrm>
+            <a:off x="2479675" y="2291377"/>
+            <a:ext cx="4184700" cy="446400"/>
+          </a:xfrm>
+          <a:prstGeom prst="rect">
+            <a:avLst/>
+          </a:prstGeom>
+        </p:spPr>
+        <p:txBody>
+          <a:bodyPr anchorCtr="0" anchor="t" bIns="91425" lIns="91425" spcFirstLastPara="1" rIns="91425" wrap="square" tIns="91425">
+            <a:spAutoFit/>
+          </a:bodyPr>
+          <a:lstStyle/>
+          <a:p>
+            <a:pPr indent="0" lvl="0" marL="0" rtl="0" algn="l">
+              <a:spcBef>
+                <a:spcPts val="0"/>
+              </a:spcBef>
+              <a:spcAft>
+                <a:spcPts val="1200"/>
+              </a:spcAft>
+              <a:buNone/>
+            </a:pPr>
+            <a:r>
+              <a:rPr lang="en"/>
+              <a:t>Using ONNX inference</a:t>
+            </a:r>
+            <a:endParaRPr/>
+          </a:p>
+        </p:txBody>
+      </p:sp>
+      <p:sp>
+        <p:nvSpPr>
+          <p:cNvPr id="481" name="Google Shape;481;p59"/>
+          <p:cNvSpPr txBox="1"/>
+          <p:nvPr>
+            <p:ph idx="2" type="subTitle"/>
           </p:nvPr>
         </p:nvSpPr>
         <p:spPr>
@@ -37747,8 +37700,7 @@
               <a:buNone/>
             </a:pPr>
             <a:r>
-              <a:rPr lang="en"/>
-              <a:t>Where does DNA Live?</a:t>
+              <a:t/>
             </a:r>
             <a:endParaRPr/>
           </a:p>
@@ -37756,10 +37708,10 @@
       </p:sp>
       <p:sp>
         <p:nvSpPr>
-          <p:cNvPr id="495" name="Google Shape;495;p59"/>
+          <p:cNvPr id="482" name="Google Shape;482;p59"/>
           <p:cNvSpPr txBox="1"/>
           <p:nvPr>
-            <p:ph idx="4" type="subTitle"/>
+            <p:ph idx="3" type="subTitle"/>
           </p:nvPr>
         </p:nvSpPr>
         <p:spPr>
@@ -37784,23 +37736,43 @@
               <a:spcAft>
                 <a:spcPts val="1200"/>
               </a:spcAft>
-              <a:buClr>
-                <a:schemeClr val="accent1"/>
-              </a:buClr>
-              <a:buSzPts val="1100"/>
               <a:buNone/>
             </a:pPr>
             <a:r>
-              <a:rPr lang="en"/>
-              <a:t>Introduction to DNA</a:t>
+              <a:t/>
             </a:r>
             <a:endParaRPr/>
           </a:p>
         </p:txBody>
       </p:sp>
+    </p:spTree>
+  </p:cSld>
+  <p:clrMapOvr>
+    <a:masterClrMapping/>
+  </p:clrMapOvr>
+</p:sld>
+</file>
+
+<file path=ppt/slides/slide21.xml><?xml version="1.0" encoding="utf-8"?>
+<p:sld xmlns:a="http://schemas.openxmlformats.org/drawingml/2006/main" xmlns:r="http://schemas.openxmlformats.org/officeDocument/2006/relationships" xmlns:mc="http://schemas.openxmlformats.org/markup-compatibility/2006" xmlns:mv="urn:schemas-microsoft-com:mac:vml" xmlns:p="http://schemas.openxmlformats.org/presentationml/2006/main" xmlns:c="http://schemas.openxmlformats.org/drawingml/2006/chart" xmlns:dgm="http://schemas.openxmlformats.org/drawingml/2006/diagram" xmlns:o="urn:schemas-microsoft-com:office:office" xmlns:v="urn:schemas-microsoft-com:vml" xmlns:pvml="urn:schemas-microsoft-com:office:powerpoint" xmlns:com="http://schemas.openxmlformats.org/drawingml/2006/compatibility" xmlns:p14="http://schemas.microsoft.com/office/powerpoint/2010/main" xmlns:p15="http://schemas.microsoft.com/office/powerpoint/2012/main" xmlns:ahyp="http://schemas.microsoft.com/office/drawing/2018/hyperlinkcolor">
+  <p:cSld>
+    <p:spTree>
+      <p:nvGrpSpPr>
+        <p:cNvPr id="486" name="Shape 486"/>
+        <p:cNvGrpSpPr/>
+        <p:nvPr/>
+      </p:nvGrpSpPr>
+      <p:grpSpPr>
+        <a:xfrm>
+          <a:off x="0" y="0"/>
+          <a:ext cx="0" cy="0"/>
+          <a:chOff x="0" y="0"/>
+          <a:chExt cx="0" cy="0"/>
+        </a:xfrm>
+      </p:grpSpPr>
       <p:sp>
         <p:nvSpPr>
-          <p:cNvPr id="496" name="Google Shape;496;p59"/>
+          <p:cNvPr id="487" name="Google Shape;487;p60"/>
           <p:cNvSpPr txBox="1"/>
           <p:nvPr>
             <p:ph idx="12" type="sldNum"/>
@@ -37840,7 +37812,7 @@
       </p:sp>
       <p:sp>
         <p:nvSpPr>
-          <p:cNvPr id="497" name="Google Shape;497;p59"/>
+          <p:cNvPr id="488" name="Google Shape;488;p60"/>
           <p:cNvSpPr txBox="1"/>
           <p:nvPr>
             <p:ph type="title"/>
@@ -37880,7 +37852,7 @@
       </p:sp>
       <p:sp>
         <p:nvSpPr>
-          <p:cNvPr id="498" name="Google Shape;498;p59"/>
+          <p:cNvPr id="489" name="Google Shape;489;p60"/>
           <p:cNvSpPr txBox="1"/>
           <p:nvPr>
             <p:ph idx="1" type="body"/>
@@ -37937,7 +37909,7 @@
       </p:sp>
       <p:sp>
         <p:nvSpPr>
-          <p:cNvPr id="499" name="Google Shape;499;p59"/>
+          <p:cNvPr id="490" name="Google Shape;490;p60"/>
           <p:cNvSpPr/>
           <p:nvPr/>
         </p:nvSpPr>
@@ -37997,7 +37969,7 @@
       </p:sp>
       <p:pic>
         <p:nvPicPr>
-          <p:cNvPr id="500" name="Google Shape;500;p59"/>
+          <p:cNvPr id="491" name="Google Shape;491;p60"/>
           <p:cNvPicPr preferRelativeResize="0"/>
           <p:nvPr/>
         </p:nvPicPr>
@@ -38025,7 +37997,7 @@
       </p:pic>
       <p:cxnSp>
         <p:nvCxnSpPr>
-          <p:cNvPr id="501" name="Google Shape;501;p59"/>
+          <p:cNvPr id="492" name="Google Shape;492;p60"/>
           <p:cNvCxnSpPr/>
           <p:nvPr/>
         </p:nvCxnSpPr>
@@ -38057,12 +38029,12 @@
 </p:sld>
 </file>
 
-<file path=ppt/slides/slide21.xml><?xml version="1.0" encoding="utf-8"?>
+<file path=ppt/slides/slide22.xml><?xml version="1.0" encoding="utf-8"?>
 <p:sld xmlns:a="http://schemas.openxmlformats.org/drawingml/2006/main" xmlns:r="http://schemas.openxmlformats.org/officeDocument/2006/relationships" xmlns:mc="http://schemas.openxmlformats.org/markup-compatibility/2006" xmlns:mv="urn:schemas-microsoft-com:mac:vml" xmlns:p="http://schemas.openxmlformats.org/presentationml/2006/main" xmlns:c="http://schemas.openxmlformats.org/drawingml/2006/chart" xmlns:dgm="http://schemas.openxmlformats.org/drawingml/2006/diagram" xmlns:o="urn:schemas-microsoft-com:office:office" xmlns:v="urn:schemas-microsoft-com:vml" xmlns:pvml="urn:schemas-microsoft-com:office:powerpoint" xmlns:com="http://schemas.openxmlformats.org/drawingml/2006/compatibility" xmlns:p14="http://schemas.microsoft.com/office/powerpoint/2010/main" xmlns:p15="http://schemas.microsoft.com/office/powerpoint/2012/main" xmlns:ahyp="http://schemas.microsoft.com/office/drawing/2018/hyperlinkcolor">
   <p:cSld>
     <p:spTree>
       <p:nvGrpSpPr>
-        <p:cNvPr id="505" name="Shape 505"/>
+        <p:cNvPr id="496" name="Shape 496"/>
         <p:cNvGrpSpPr/>
         <p:nvPr/>
       </p:nvGrpSpPr>
@@ -38076,7 +38048,7 @@
       </p:grpSpPr>
       <p:sp>
         <p:nvSpPr>
-          <p:cNvPr id="506" name="Google Shape;506;p60"/>
+          <p:cNvPr id="497" name="Google Shape;497;p61"/>
           <p:cNvSpPr txBox="1"/>
           <p:nvPr>
             <p:ph type="title"/>
@@ -38116,7 +38088,7 @@
       </p:sp>
       <p:sp>
         <p:nvSpPr>
-          <p:cNvPr id="507" name="Google Shape;507;p60"/>
+          <p:cNvPr id="498" name="Google Shape;498;p61"/>
           <p:cNvSpPr txBox="1"/>
           <p:nvPr>
             <p:ph idx="1" type="body"/>
@@ -38125,7 +38097,7 @@
         <p:spPr>
           <a:xfrm>
             <a:off x="502425" y="2571750"/>
-            <a:ext cx="3184800" cy="1123500"/>
+            <a:ext cx="3184800" cy="1385400"/>
           </a:xfrm>
           <a:prstGeom prst="rect">
             <a:avLst/>
@@ -38165,7 +38137,24 @@
             </a:pPr>
             <a:r>
               <a:rPr lang="en"/>
-              <a:t>Pruning</a:t>
+              <a:t>Using TensorRT</a:t>
+            </a:r>
+            <a:endParaRPr/>
+          </a:p>
+          <a:p>
+            <a:pPr indent="-336550" lvl="0" marL="457200" rtl="0" algn="l">
+              <a:spcBef>
+                <a:spcPts val="0"/>
+              </a:spcBef>
+              <a:spcAft>
+                <a:spcPts val="0"/>
+              </a:spcAft>
+              <a:buSzPts val="1700"/>
+              <a:buChar char="●"/>
+            </a:pPr>
+            <a:r>
+              <a:rPr lang="en"/>
+              <a:t>Pruning, Quantization</a:t>
             </a:r>
             <a:endParaRPr/>
           </a:p>
@@ -38194,7 +38183,7 @@
       </p:sp>
       <p:sp>
         <p:nvSpPr>
-          <p:cNvPr id="508" name="Google Shape;508;p60"/>
+          <p:cNvPr id="499" name="Google Shape;499;p61"/>
           <p:cNvSpPr txBox="1"/>
           <p:nvPr>
             <p:ph idx="2" type="subTitle"/>
@@ -38233,7 +38222,7 @@
       </p:sp>
       <p:sp>
         <p:nvSpPr>
-          <p:cNvPr id="509" name="Google Shape;509;p60"/>
+          <p:cNvPr id="500" name="Google Shape;500;p61"/>
           <p:cNvSpPr txBox="1"/>
           <p:nvPr>
             <p:ph idx="3" type="subTitle"/>
@@ -38272,7 +38261,7 @@
       </p:sp>
       <p:sp>
         <p:nvSpPr>
-          <p:cNvPr id="510" name="Google Shape;510;p60"/>
+          <p:cNvPr id="501" name="Google Shape;501;p61"/>
           <p:cNvSpPr txBox="1"/>
           <p:nvPr>
             <p:ph idx="1" type="body"/>
@@ -38339,12 +38328,12 @@
 </p:sld>
 </file>
 
-<file path=ppt/slides/slide22.xml><?xml version="1.0" encoding="utf-8"?>
+<file path=ppt/slides/slide23.xml><?xml version="1.0" encoding="utf-8"?>
 <p:sld xmlns:a="http://schemas.openxmlformats.org/drawingml/2006/main" xmlns:r="http://schemas.openxmlformats.org/officeDocument/2006/relationships" xmlns:mc="http://schemas.openxmlformats.org/markup-compatibility/2006" xmlns:mv="urn:schemas-microsoft-com:mac:vml" xmlns:p="http://schemas.openxmlformats.org/presentationml/2006/main" xmlns:c="http://schemas.openxmlformats.org/drawingml/2006/chart" xmlns:dgm="http://schemas.openxmlformats.org/drawingml/2006/diagram" xmlns:o="urn:schemas-microsoft-com:office:office" xmlns:v="urn:schemas-microsoft-com:vml" xmlns:pvml="urn:schemas-microsoft-com:office:powerpoint" xmlns:com="http://schemas.openxmlformats.org/drawingml/2006/compatibility" xmlns:p14="http://schemas.microsoft.com/office/powerpoint/2010/main" xmlns:p15="http://schemas.microsoft.com/office/powerpoint/2012/main" xmlns:ahyp="http://schemas.microsoft.com/office/drawing/2018/hyperlinkcolor">
   <p:cSld>
     <p:spTree>
       <p:nvGrpSpPr>
-        <p:cNvPr id="514" name="Shape 514"/>
+        <p:cNvPr id="505" name="Shape 505"/>
         <p:cNvGrpSpPr/>
         <p:nvPr/>
       </p:nvGrpSpPr>
@@ -38358,87 +38347,7 @@
       </p:grpSpPr>
       <p:sp>
         <p:nvSpPr>
-          <p:cNvPr id="515" name="Google Shape;515;p61"/>
-          <p:cNvSpPr txBox="1"/>
-          <p:nvPr>
-            <p:ph idx="1" type="subTitle"/>
-          </p:nvPr>
-        </p:nvSpPr>
-        <p:spPr>
-          <a:xfrm>
-            <a:off x="1716575" y="205550"/>
-            <a:ext cx="2855400" cy="292500"/>
-          </a:xfrm>
-          <a:prstGeom prst="rect">
-            <a:avLst/>
-          </a:prstGeom>
-        </p:spPr>
-        <p:txBody>
-          <a:bodyPr anchorCtr="0" anchor="t" bIns="91425" lIns="91425" spcFirstLastPara="1" rIns="91425" wrap="square" tIns="91425">
-            <a:noAutofit/>
-          </a:bodyPr>
-          <a:lstStyle/>
-          <a:p>
-            <a:pPr indent="0" lvl="0" marL="0" rtl="0" algn="l">
-              <a:spcBef>
-                <a:spcPts val="0"/>
-              </a:spcBef>
-              <a:spcAft>
-                <a:spcPts val="1200"/>
-              </a:spcAft>
-              <a:buNone/>
-            </a:pPr>
-            <a:r>
-              <a:rPr lang="en"/>
-              <a:t>Questions?</a:t>
-            </a:r>
-            <a:endParaRPr/>
-          </a:p>
-        </p:txBody>
-      </p:sp>
-      <p:sp>
-        <p:nvSpPr>
-          <p:cNvPr id="516" name="Google Shape;516;p61"/>
-          <p:cNvSpPr txBox="1"/>
-          <p:nvPr>
-            <p:ph idx="2" type="subTitle"/>
-          </p:nvPr>
-        </p:nvSpPr>
-        <p:spPr>
-          <a:xfrm>
-            <a:off x="333925" y="205550"/>
-            <a:ext cx="1353300" cy="292500"/>
-          </a:xfrm>
-          <a:prstGeom prst="rect">
-            <a:avLst/>
-          </a:prstGeom>
-        </p:spPr>
-        <p:txBody>
-          <a:bodyPr anchorCtr="0" anchor="t" bIns="91425" lIns="91425" spcFirstLastPara="1" rIns="91425" wrap="square" tIns="91425">
-            <a:noAutofit/>
-          </a:bodyPr>
-          <a:lstStyle/>
-          <a:p>
-            <a:pPr indent="0" lvl="0" marL="0" rtl="0" algn="l">
-              <a:spcBef>
-                <a:spcPts val="0"/>
-              </a:spcBef>
-              <a:spcAft>
-                <a:spcPts val="1200"/>
-              </a:spcAft>
-              <a:buNone/>
-            </a:pPr>
-            <a:r>
-              <a:rPr lang="en"/>
-              <a:t>Introduction to DNA</a:t>
-            </a:r>
-            <a:endParaRPr/>
-          </a:p>
-        </p:txBody>
-      </p:sp>
-      <p:sp>
-        <p:nvSpPr>
-          <p:cNvPr id="517" name="Google Shape;517;p61"/>
+          <p:cNvPr id="506" name="Google Shape;506;p62"/>
           <p:cNvSpPr txBox="1"/>
           <p:nvPr>
             <p:ph idx="12" type="sldNum"/>
@@ -38478,7 +38387,7 @@
       </p:sp>
       <p:sp>
         <p:nvSpPr>
-          <p:cNvPr id="518" name="Google Shape;518;p61"/>
+          <p:cNvPr id="507" name="Google Shape;507;p62"/>
           <p:cNvSpPr txBox="1"/>
           <p:nvPr>
             <p:ph type="title"/>
@@ -38664,86 +38573,6 @@
       <p:sp>
         <p:nvSpPr>
           <p:cNvPr id="347" name="Google Shape;347;p42"/>
-          <p:cNvSpPr txBox="1"/>
-          <p:nvPr>
-            <p:ph idx="3" type="subTitle"/>
-          </p:nvPr>
-        </p:nvSpPr>
-        <p:spPr>
-          <a:xfrm>
-            <a:off x="1716575" y="205550"/>
-            <a:ext cx="2855400" cy="292500"/>
-          </a:xfrm>
-          <a:prstGeom prst="rect">
-            <a:avLst/>
-          </a:prstGeom>
-        </p:spPr>
-        <p:txBody>
-          <a:bodyPr anchorCtr="0" anchor="t" bIns="91425" lIns="91425" spcFirstLastPara="1" rIns="91425" wrap="square" tIns="91425">
-            <a:noAutofit/>
-          </a:bodyPr>
-          <a:lstStyle/>
-          <a:p>
-            <a:pPr indent="0" lvl="0" marL="0" rtl="0" algn="l">
-              <a:spcBef>
-                <a:spcPts val="0"/>
-              </a:spcBef>
-              <a:spcAft>
-                <a:spcPts val="1200"/>
-              </a:spcAft>
-              <a:buNone/>
-            </a:pPr>
-            <a:r>
-              <a:rPr lang="en"/>
-              <a:t>Next Lesson</a:t>
-            </a:r>
-            <a:endParaRPr/>
-          </a:p>
-        </p:txBody>
-      </p:sp>
-      <p:sp>
-        <p:nvSpPr>
-          <p:cNvPr id="348" name="Google Shape;348;p42"/>
-          <p:cNvSpPr txBox="1"/>
-          <p:nvPr>
-            <p:ph idx="4" type="subTitle"/>
-          </p:nvPr>
-        </p:nvSpPr>
-        <p:spPr>
-          <a:xfrm>
-            <a:off x="333925" y="205550"/>
-            <a:ext cx="1353300" cy="292500"/>
-          </a:xfrm>
-          <a:prstGeom prst="rect">
-            <a:avLst/>
-          </a:prstGeom>
-        </p:spPr>
-        <p:txBody>
-          <a:bodyPr anchorCtr="0" anchor="t" bIns="91425" lIns="91425" spcFirstLastPara="1" rIns="91425" wrap="square" tIns="91425">
-            <a:noAutofit/>
-          </a:bodyPr>
-          <a:lstStyle/>
-          <a:p>
-            <a:pPr indent="0" lvl="0" marL="0" rtl="0" algn="l">
-              <a:spcBef>
-                <a:spcPts val="0"/>
-              </a:spcBef>
-              <a:spcAft>
-                <a:spcPts val="1200"/>
-              </a:spcAft>
-              <a:buNone/>
-            </a:pPr>
-            <a:r>
-              <a:rPr lang="en"/>
-              <a:t>Introduction to DNA</a:t>
-            </a:r>
-            <a:endParaRPr/>
-          </a:p>
-        </p:txBody>
-      </p:sp>
-      <p:sp>
-        <p:nvSpPr>
-          <p:cNvPr id="349" name="Google Shape;349;p42"/>
           <p:cNvSpPr/>
           <p:nvPr/>
         </p:nvSpPr>
@@ -38803,7 +38632,7 @@
       </p:sp>
       <p:pic>
         <p:nvPicPr>
-          <p:cNvPr id="350" name="Google Shape;350;p42"/>
+          <p:cNvPr id="348" name="Google Shape;348;p42"/>
           <p:cNvPicPr preferRelativeResize="0"/>
           <p:nvPr/>
         </p:nvPicPr>
@@ -38842,7 +38671,7 @@
   <p:cSld>
     <p:spTree>
       <p:nvGrpSpPr>
-        <p:cNvPr id="354" name="Shape 354"/>
+        <p:cNvPr id="352" name="Shape 352"/>
         <p:cNvGrpSpPr/>
         <p:nvPr/>
       </p:nvGrpSpPr>
@@ -38856,7 +38685,7 @@
       </p:grpSpPr>
       <p:sp>
         <p:nvSpPr>
-          <p:cNvPr id="355" name="Google Shape;355;p43"/>
+          <p:cNvPr id="353" name="Google Shape;353;p43"/>
           <p:cNvSpPr txBox="1"/>
           <p:nvPr>
             <p:ph type="title"/>
@@ -38896,7 +38725,7 @@
       </p:sp>
       <p:sp>
         <p:nvSpPr>
-          <p:cNvPr id="356" name="Google Shape;356;p43"/>
+          <p:cNvPr id="354" name="Google Shape;354;p43"/>
           <p:cNvSpPr txBox="1"/>
           <p:nvPr>
             <p:ph idx="1" type="body"/>
@@ -38952,7 +38781,7 @@
       </p:sp>
       <p:sp>
         <p:nvSpPr>
-          <p:cNvPr id="357" name="Google Shape;357;p43"/>
+          <p:cNvPr id="355" name="Google Shape;355;p43"/>
           <p:cNvSpPr txBox="1"/>
           <p:nvPr>
             <p:ph idx="12" type="sldNum"/>
@@ -38992,7 +38821,7 @@
       </p:sp>
       <p:sp>
         <p:nvSpPr>
-          <p:cNvPr id="358" name="Google Shape;358;p43"/>
+          <p:cNvPr id="356" name="Google Shape;356;p43"/>
           <p:cNvSpPr/>
           <p:nvPr/>
         </p:nvSpPr>
@@ -39043,7 +38872,7 @@
       </p:sp>
       <p:sp>
         <p:nvSpPr>
-          <p:cNvPr id="359" name="Google Shape;359;p43"/>
+          <p:cNvPr id="357" name="Google Shape;357;p43"/>
           <p:cNvSpPr txBox="1"/>
           <p:nvPr>
             <p:ph idx="1" type="body"/>
@@ -39099,7 +38928,7 @@
       </p:sp>
       <p:sp>
         <p:nvSpPr>
-          <p:cNvPr id="360" name="Google Shape;360;p43"/>
+          <p:cNvPr id="358" name="Google Shape;358;p43"/>
           <p:cNvSpPr txBox="1"/>
           <p:nvPr>
             <p:ph idx="1" type="body"/>
@@ -39155,7 +38984,7 @@
       </p:sp>
       <p:pic>
         <p:nvPicPr>
-          <p:cNvPr id="361" name="Google Shape;361;p43"/>
+          <p:cNvPr id="359" name="Google Shape;359;p43"/>
           <p:cNvPicPr preferRelativeResize="0"/>
           <p:nvPr/>
         </p:nvPicPr>
@@ -39194,7 +39023,7 @@
   <p:cSld>
     <p:spTree>
       <p:nvGrpSpPr>
-        <p:cNvPr id="365" name="Shape 365"/>
+        <p:cNvPr id="363" name="Shape 363"/>
         <p:cNvGrpSpPr/>
         <p:nvPr/>
       </p:nvGrpSpPr>
@@ -39208,7 +39037,7 @@
       </p:grpSpPr>
       <p:sp>
         <p:nvSpPr>
-          <p:cNvPr id="366" name="Google Shape;366;p44"/>
+          <p:cNvPr id="364" name="Google Shape;364;p44"/>
           <p:cNvSpPr txBox="1"/>
           <p:nvPr>
             <p:ph idx="12" type="sldNum"/>
@@ -39248,7 +39077,7 @@
       </p:sp>
       <p:sp>
         <p:nvSpPr>
-          <p:cNvPr id="367" name="Google Shape;367;p44"/>
+          <p:cNvPr id="365" name="Google Shape;365;p44"/>
           <p:cNvSpPr txBox="1"/>
           <p:nvPr>
             <p:ph type="title"/>
@@ -39288,7 +39117,7 @@
       </p:sp>
       <p:sp>
         <p:nvSpPr>
-          <p:cNvPr id="368" name="Google Shape;368;p44"/>
+          <p:cNvPr id="366" name="Google Shape;366;p44"/>
           <p:cNvSpPr txBox="1"/>
           <p:nvPr>
             <p:ph idx="1" type="body"/>
@@ -39377,7 +39206,7 @@
   <p:cSld>
     <p:spTree>
       <p:nvGrpSpPr>
-        <p:cNvPr id="372" name="Shape 372"/>
+        <p:cNvPr id="370" name="Shape 370"/>
         <p:cNvGrpSpPr/>
         <p:nvPr/>
       </p:nvGrpSpPr>
@@ -39391,7 +39220,7 @@
       </p:grpSpPr>
       <p:sp>
         <p:nvSpPr>
-          <p:cNvPr id="373" name="Google Shape;373;p45"/>
+          <p:cNvPr id="371" name="Google Shape;371;p45"/>
           <p:cNvSpPr txBox="1"/>
           <p:nvPr>
             <p:ph idx="12" type="sldNum"/>
@@ -39431,7 +39260,7 @@
       </p:sp>
       <p:sp>
         <p:nvSpPr>
-          <p:cNvPr id="374" name="Google Shape;374;p45"/>
+          <p:cNvPr id="372" name="Google Shape;372;p45"/>
           <p:cNvSpPr txBox="1"/>
           <p:nvPr>
             <p:ph type="title"/>
@@ -39471,7 +39300,7 @@
       </p:sp>
       <p:sp>
         <p:nvSpPr>
-          <p:cNvPr id="375" name="Google Shape;375;p45"/>
+          <p:cNvPr id="373" name="Google Shape;373;p45"/>
           <p:cNvSpPr txBox="1"/>
           <p:nvPr/>
         </p:nvSpPr>
@@ -39643,7 +39472,7 @@
       </p:sp>
       <p:pic>
         <p:nvPicPr>
-          <p:cNvPr id="376" name="Google Shape;376;p45"/>
+          <p:cNvPr id="374" name="Google Shape;374;p45"/>
           <p:cNvPicPr preferRelativeResize="0"/>
           <p:nvPr/>
         </p:nvPicPr>
@@ -39682,7 +39511,7 @@
   <p:cSld>
     <p:spTree>
       <p:nvGrpSpPr>
-        <p:cNvPr id="380" name="Shape 380"/>
+        <p:cNvPr id="378" name="Shape 378"/>
         <p:cNvGrpSpPr/>
         <p:nvPr/>
       </p:nvGrpSpPr>
@@ -39696,92 +39525,7 @@
       </p:grpSpPr>
       <p:sp>
         <p:nvSpPr>
-          <p:cNvPr id="381" name="Google Shape;381;p46"/>
-          <p:cNvSpPr txBox="1"/>
-          <p:nvPr>
-            <p:ph idx="3" type="subTitle"/>
-          </p:nvPr>
-        </p:nvSpPr>
-        <p:spPr>
-          <a:xfrm>
-            <a:off x="1716575" y="205550"/>
-            <a:ext cx="2855400" cy="292500"/>
-          </a:xfrm>
-          <a:prstGeom prst="rect">
-            <a:avLst/>
-          </a:prstGeom>
-        </p:spPr>
-        <p:txBody>
-          <a:bodyPr anchorCtr="0" anchor="t" bIns="91425" lIns="91425" spcFirstLastPara="1" rIns="91425" wrap="square" tIns="91425">
-            <a:noAutofit/>
-          </a:bodyPr>
-          <a:lstStyle/>
-          <a:p>
-            <a:pPr indent="0" lvl="0" marL="0" rtl="0" algn="l">
-              <a:spcBef>
-                <a:spcPts val="0"/>
-              </a:spcBef>
-              <a:spcAft>
-                <a:spcPts val="1200"/>
-              </a:spcAft>
-              <a:buNone/>
-            </a:pPr>
-            <a:r>
-              <a:rPr lang="en"/>
-              <a:t>What is The Structure of DNA?</a:t>
-            </a:r>
-            <a:endParaRPr/>
-          </a:p>
-        </p:txBody>
-      </p:sp>
-      <p:sp>
-        <p:nvSpPr>
-          <p:cNvPr id="382" name="Google Shape;382;p46"/>
-          <p:cNvSpPr txBox="1"/>
-          <p:nvPr>
-            <p:ph idx="4" type="subTitle"/>
-          </p:nvPr>
-        </p:nvSpPr>
-        <p:spPr>
-          <a:xfrm>
-            <a:off x="333925" y="205550"/>
-            <a:ext cx="1353300" cy="292500"/>
-          </a:xfrm>
-          <a:prstGeom prst="rect">
-            <a:avLst/>
-          </a:prstGeom>
-        </p:spPr>
-        <p:txBody>
-          <a:bodyPr anchorCtr="0" anchor="t" bIns="91425" lIns="91425" spcFirstLastPara="1" rIns="91425" wrap="square" tIns="91425">
-            <a:noAutofit/>
-          </a:bodyPr>
-          <a:lstStyle/>
-          <a:p>
-            <a:pPr indent="0" lvl="0" marL="0" rtl="0" algn="l">
-              <a:spcBef>
-                <a:spcPts val="0"/>
-              </a:spcBef>
-              <a:spcAft>
-                <a:spcPts val="1200"/>
-              </a:spcAft>
-              <a:buClr>
-                <a:schemeClr val="accent1"/>
-              </a:buClr>
-              <a:buSzPts val="1100"/>
-              <a:buFont typeface="Arial"/>
-              <a:buNone/>
-            </a:pPr>
-            <a:r>
-              <a:rPr lang="en"/>
-              <a:t>Introduction to DNA</a:t>
-            </a:r>
-            <a:endParaRPr/>
-          </a:p>
-        </p:txBody>
-      </p:sp>
-      <p:sp>
-        <p:nvSpPr>
-          <p:cNvPr id="383" name="Google Shape;383;p46"/>
+          <p:cNvPr id="379" name="Google Shape;379;p46"/>
           <p:cNvSpPr txBox="1"/>
           <p:nvPr>
             <p:ph idx="12" type="sldNum"/>
@@ -39821,7 +39565,7 @@
       </p:sp>
       <p:sp>
         <p:nvSpPr>
-          <p:cNvPr id="384" name="Google Shape;384;p46"/>
+          <p:cNvPr id="380" name="Google Shape;380;p46"/>
           <p:cNvSpPr txBox="1"/>
           <p:nvPr>
             <p:ph type="title"/>
@@ -39861,7 +39605,7 @@
       </p:sp>
       <p:sp>
         <p:nvSpPr>
-          <p:cNvPr id="385" name="Google Shape;385;p46"/>
+          <p:cNvPr id="381" name="Google Shape;381;p46"/>
           <p:cNvSpPr txBox="1"/>
           <p:nvPr>
             <p:ph idx="1" type="body"/>
@@ -40027,7 +39771,7 @@
       </p:sp>
       <p:sp>
         <p:nvSpPr>
-          <p:cNvPr id="386" name="Google Shape;386;p46"/>
+          <p:cNvPr id="382" name="Google Shape;382;p46"/>
           <p:cNvSpPr/>
           <p:nvPr/>
         </p:nvSpPr>
@@ -40078,7 +39822,7 @@
       </p:sp>
       <p:sp>
         <p:nvSpPr>
-          <p:cNvPr id="387" name="Google Shape;387;p46"/>
+          <p:cNvPr id="383" name="Google Shape;383;p46"/>
           <p:cNvSpPr/>
           <p:nvPr/>
         </p:nvSpPr>
@@ -40140,7 +39884,7 @@
   <p:cSld>
     <p:spTree>
       <p:nvGrpSpPr>
-        <p:cNvPr id="391" name="Shape 391"/>
+        <p:cNvPr id="387" name="Shape 387"/>
         <p:cNvGrpSpPr/>
         <p:nvPr/>
       </p:nvGrpSpPr>
@@ -40154,7 +39898,7 @@
       </p:grpSpPr>
       <p:sp>
         <p:nvSpPr>
-          <p:cNvPr id="392" name="Google Shape;392;p47"/>
+          <p:cNvPr id="388" name="Google Shape;388;p47"/>
           <p:cNvSpPr txBox="1"/>
           <p:nvPr>
             <p:ph type="title"/>
@@ -40194,7 +39938,7 @@
       </p:sp>
       <p:sp>
         <p:nvSpPr>
-          <p:cNvPr id="393" name="Google Shape;393;p47"/>
+          <p:cNvPr id="389" name="Google Shape;389;p47"/>
           <p:cNvSpPr txBox="1"/>
           <p:nvPr>
             <p:ph idx="1" type="body"/>
@@ -40272,87 +40016,9 @@
           </a:p>
         </p:txBody>
       </p:sp>
-      <p:sp>
-        <p:nvSpPr>
-          <p:cNvPr id="394" name="Google Shape;394;p47"/>
-          <p:cNvSpPr txBox="1"/>
-          <p:nvPr>
-            <p:ph idx="3" type="subTitle"/>
-          </p:nvPr>
-        </p:nvSpPr>
-        <p:spPr>
-          <a:xfrm>
-            <a:off x="1716575" y="205550"/>
-            <a:ext cx="2855400" cy="292500"/>
-          </a:xfrm>
-          <a:prstGeom prst="rect">
-            <a:avLst/>
-          </a:prstGeom>
-        </p:spPr>
-        <p:txBody>
-          <a:bodyPr anchorCtr="0" anchor="t" bIns="91425" lIns="91425" spcFirstLastPara="1" rIns="91425" wrap="square" tIns="91425">
-            <a:noAutofit/>
-          </a:bodyPr>
-          <a:lstStyle/>
-          <a:p>
-            <a:pPr indent="0" lvl="0" marL="0" rtl="0" algn="l">
-              <a:spcBef>
-                <a:spcPts val="0"/>
-              </a:spcBef>
-              <a:spcAft>
-                <a:spcPts val="1200"/>
-              </a:spcAft>
-              <a:buNone/>
-            </a:pPr>
-            <a:r>
-              <a:t/>
-            </a:r>
-            <a:endParaRPr/>
-          </a:p>
-        </p:txBody>
-      </p:sp>
-      <p:sp>
-        <p:nvSpPr>
-          <p:cNvPr id="395" name="Google Shape;395;p47"/>
-          <p:cNvSpPr txBox="1"/>
-          <p:nvPr>
-            <p:ph idx="4" type="subTitle"/>
-          </p:nvPr>
-        </p:nvSpPr>
-        <p:spPr>
-          <a:xfrm>
-            <a:off x="333925" y="205550"/>
-            <a:ext cx="1353300" cy="292500"/>
-          </a:xfrm>
-          <a:prstGeom prst="rect">
-            <a:avLst/>
-          </a:prstGeom>
-        </p:spPr>
-        <p:txBody>
-          <a:bodyPr anchorCtr="0" anchor="t" bIns="91425" lIns="91425" spcFirstLastPara="1" rIns="91425" wrap="square" tIns="91425">
-            <a:noAutofit/>
-          </a:bodyPr>
-          <a:lstStyle/>
-          <a:p>
-            <a:pPr indent="0" lvl="0" marL="0" rtl="0" algn="l">
-              <a:spcBef>
-                <a:spcPts val="0"/>
-              </a:spcBef>
-              <a:spcAft>
-                <a:spcPts val="1200"/>
-              </a:spcAft>
-              <a:buNone/>
-            </a:pPr>
-            <a:r>
-              <a:t/>
-            </a:r>
-            <a:endParaRPr/>
-          </a:p>
-        </p:txBody>
-      </p:sp>
       <p:pic>
         <p:nvPicPr>
-          <p:cNvPr id="396" name="Google Shape;396;p47" title="Resnet 34 model overfitting.png"/>
+          <p:cNvPr id="390" name="Google Shape;390;p47" title="Resnet 34 model overfitting.png"/>
           <p:cNvPicPr preferRelativeResize="0"/>
           <p:nvPr/>
         </p:nvPicPr>
@@ -40391,7 +40057,7 @@
   <p:cSld>
     <p:spTree>
       <p:nvGrpSpPr>
-        <p:cNvPr id="400" name="Shape 400"/>
+        <p:cNvPr id="394" name="Shape 394"/>
         <p:cNvGrpSpPr/>
         <p:nvPr/>
       </p:nvGrpSpPr>
@@ -40405,7 +40071,7 @@
       </p:grpSpPr>
       <p:sp>
         <p:nvSpPr>
-          <p:cNvPr id="401" name="Google Shape;401;p48"/>
+          <p:cNvPr id="395" name="Google Shape;395;p48"/>
           <p:cNvSpPr txBox="1"/>
           <p:nvPr>
             <p:ph type="title"/>
@@ -40445,7 +40111,7 @@
       </p:sp>
       <p:sp>
         <p:nvSpPr>
-          <p:cNvPr id="402" name="Google Shape;402;p48"/>
+          <p:cNvPr id="396" name="Google Shape;396;p48"/>
           <p:cNvSpPr txBox="1"/>
           <p:nvPr>
             <p:ph idx="1" type="body"/>
@@ -40505,7 +40171,7 @@
       </p:sp>
       <p:pic>
         <p:nvPicPr>
-          <p:cNvPr id="403" name="Google Shape;403;p48" title="Resnet 34 85 accuracy.png"/>
+          <p:cNvPr id="397" name="Google Shape;397;p48" title="Resnet 34 85 accuracy.png"/>
           <p:cNvPicPr preferRelativeResize="0"/>
           <p:nvPr/>
         </p:nvPicPr>
